--- a/Лекция 1 - ООП, модификатор доступа.pptx
+++ b/Лекция 1 - ООП, модификатор доступа.pptx
@@ -6,25 +6,29 @@
   </p:sldMasterIdLst>
   <p:sldIdLst>
     <p:sldId id="256" r:id="rId2"/>
-    <p:sldId id="312" r:id="rId3"/>
-    <p:sldId id="313" r:id="rId4"/>
-    <p:sldId id="300" r:id="rId5"/>
-    <p:sldId id="314" r:id="rId6"/>
+    <p:sldId id="316" r:id="rId3"/>
+    <p:sldId id="312" r:id="rId4"/>
+    <p:sldId id="313" r:id="rId5"/>
+    <p:sldId id="300" r:id="rId6"/>
     <p:sldId id="261" r:id="rId7"/>
     <p:sldId id="262" r:id="rId8"/>
     <p:sldId id="263" r:id="rId9"/>
-    <p:sldId id="315" r:id="rId10"/>
-    <p:sldId id="266" r:id="rId11"/>
-    <p:sldId id="267" r:id="rId12"/>
-    <p:sldId id="268" r:id="rId13"/>
-    <p:sldId id="291" r:id="rId14"/>
-    <p:sldId id="292" r:id="rId15"/>
-    <p:sldId id="293" r:id="rId16"/>
-    <p:sldId id="271" r:id="rId17"/>
-    <p:sldId id="295" r:id="rId18"/>
-    <p:sldId id="297" r:id="rId19"/>
-    <p:sldId id="298" r:id="rId20"/>
-    <p:sldId id="299" r:id="rId21"/>
+    <p:sldId id="266" r:id="rId10"/>
+    <p:sldId id="268" r:id="rId11"/>
+    <p:sldId id="291" r:id="rId12"/>
+    <p:sldId id="292" r:id="rId13"/>
+    <p:sldId id="293" r:id="rId14"/>
+    <p:sldId id="295" r:id="rId15"/>
+    <p:sldId id="322" r:id="rId16"/>
+    <p:sldId id="321" r:id="rId17"/>
+    <p:sldId id="323" r:id="rId18"/>
+    <p:sldId id="271" r:id="rId19"/>
+    <p:sldId id="317" r:id="rId20"/>
+    <p:sldId id="297" r:id="rId21"/>
+    <p:sldId id="298" r:id="rId22"/>
+    <p:sldId id="299" r:id="rId23"/>
+    <p:sldId id="318" r:id="rId24"/>
+    <p:sldId id="319" r:id="rId25"/>
   </p:sldIdLst>
   <p:sldSz cx="9144000" cy="6858000" type="screen4x3"/>
   <p:notesSz cx="6858000" cy="9144000"/>
@@ -322,7 +326,7 @@
             <a:fld id="{5B106E36-FD25-4E2D-B0AA-010F637433A0}" type="datetimeFigureOut">
               <a:rPr lang="ru-RU" smtClean="0"/>
               <a:pPr/>
-              <a:t>16.07.2018</a:t>
+              <a:t>06.09.2024</a:t>
             </a:fld>
             <a:endParaRPr lang="ru-RU"/>
           </a:p>
@@ -487,7 +491,7 @@
             <a:fld id="{5B106E36-FD25-4E2D-B0AA-010F637433A0}" type="datetimeFigureOut">
               <a:rPr lang="ru-RU" smtClean="0"/>
               <a:pPr/>
-              <a:t>16.07.2018</a:t>
+              <a:t>06.09.2024</a:t>
             </a:fld>
             <a:endParaRPr lang="ru-RU"/>
           </a:p>
@@ -662,7 +666,7 @@
             <a:fld id="{5B106E36-FD25-4E2D-B0AA-010F637433A0}" type="datetimeFigureOut">
               <a:rPr lang="ru-RU" smtClean="0"/>
               <a:pPr/>
-              <a:t>16.07.2018</a:t>
+              <a:t>06.09.2024</a:t>
             </a:fld>
             <a:endParaRPr lang="ru-RU"/>
           </a:p>
@@ -827,7 +831,7 @@
             <a:fld id="{5B106E36-FD25-4E2D-B0AA-010F637433A0}" type="datetimeFigureOut">
               <a:rPr lang="ru-RU" smtClean="0"/>
               <a:pPr/>
-              <a:t>16.07.2018</a:t>
+              <a:t>06.09.2024</a:t>
             </a:fld>
             <a:endParaRPr lang="ru-RU"/>
           </a:p>
@@ -1069,7 +1073,7 @@
             <a:fld id="{5B106E36-FD25-4E2D-B0AA-010F637433A0}" type="datetimeFigureOut">
               <a:rPr lang="ru-RU" smtClean="0"/>
               <a:pPr/>
-              <a:t>16.07.2018</a:t>
+              <a:t>06.09.2024</a:t>
             </a:fld>
             <a:endParaRPr lang="ru-RU"/>
           </a:p>
@@ -1351,7 +1355,7 @@
             <a:fld id="{5B106E36-FD25-4E2D-B0AA-010F637433A0}" type="datetimeFigureOut">
               <a:rPr lang="ru-RU" smtClean="0"/>
               <a:pPr/>
-              <a:t>16.07.2018</a:t>
+              <a:t>06.09.2024</a:t>
             </a:fld>
             <a:endParaRPr lang="ru-RU"/>
           </a:p>
@@ -1767,7 +1771,7 @@
             <a:fld id="{5B106E36-FD25-4E2D-B0AA-010F637433A0}" type="datetimeFigureOut">
               <a:rPr lang="ru-RU" smtClean="0"/>
               <a:pPr/>
-              <a:t>16.07.2018</a:t>
+              <a:t>06.09.2024</a:t>
             </a:fld>
             <a:endParaRPr lang="ru-RU"/>
           </a:p>
@@ -1881,7 +1885,7 @@
             <a:fld id="{5B106E36-FD25-4E2D-B0AA-010F637433A0}" type="datetimeFigureOut">
               <a:rPr lang="ru-RU" smtClean="0"/>
               <a:pPr/>
-              <a:t>16.07.2018</a:t>
+              <a:t>06.09.2024</a:t>
             </a:fld>
             <a:endParaRPr lang="ru-RU"/>
           </a:p>
@@ -1973,7 +1977,7 @@
             <a:fld id="{5B106E36-FD25-4E2D-B0AA-010F637433A0}" type="datetimeFigureOut">
               <a:rPr lang="ru-RU" smtClean="0"/>
               <a:pPr/>
-              <a:t>16.07.2018</a:t>
+              <a:t>06.09.2024</a:t>
             </a:fld>
             <a:endParaRPr lang="ru-RU"/>
           </a:p>
@@ -2245,7 +2249,7 @@
             <a:fld id="{5B106E36-FD25-4E2D-B0AA-010F637433A0}" type="datetimeFigureOut">
               <a:rPr lang="ru-RU" smtClean="0"/>
               <a:pPr/>
-              <a:t>16.07.2018</a:t>
+              <a:t>06.09.2024</a:t>
             </a:fld>
             <a:endParaRPr lang="ru-RU"/>
           </a:p>
@@ -2494,7 +2498,7 @@
             <a:fld id="{5B106E36-FD25-4E2D-B0AA-010F637433A0}" type="datetimeFigureOut">
               <a:rPr lang="ru-RU" smtClean="0"/>
               <a:pPr/>
-              <a:t>16.07.2018</a:t>
+              <a:t>06.09.2024</a:t>
             </a:fld>
             <a:endParaRPr lang="ru-RU"/>
           </a:p>
@@ -2702,7 +2706,7 @@
             <a:fld id="{5B106E36-FD25-4E2D-B0AA-010F637433A0}" type="datetimeFigureOut">
               <a:rPr lang="ru-RU" smtClean="0"/>
               <a:pPr/>
-              <a:t>16.07.2018</a:t>
+              <a:t>06.09.2024</a:t>
             </a:fld>
             <a:endParaRPr lang="ru-RU"/>
           </a:p>
@@ -3162,81 +3166,57 @@
             <p:ph type="title"/>
           </p:nvPr>
         </p:nvSpPr>
-        <p:spPr/>
-        <p:txBody>
-          <a:bodyPr>
-            <a:normAutofit fontScale="90000"/>
-          </a:bodyPr>
-          <a:lstStyle/>
-          <a:p>
-            <a:r>
-              <a:rPr lang="ru-RU" b="1" dirty="0"/>
-              <a:t>Управляемый и неуправляемый код</a:t>
-            </a:r>
-            <a:endParaRPr lang="ru-RU" dirty="0"/>
-          </a:p>
-        </p:txBody>
-      </p:sp>
-      <p:sp>
-        <p:nvSpPr>
-          <p:cNvPr id="3" name="Содержимое 2"/>
-          <p:cNvSpPr>
-            <a:spLocks noGrp="1"/>
-          </p:cNvSpPr>
+        <p:spPr>
+          <a:xfrm>
+            <a:off x="539552" y="260648"/>
+            <a:ext cx="8229600" cy="1143000"/>
+          </a:xfrm>
+        </p:spPr>
+        <p:txBody>
+          <a:bodyPr/>
+          <a:lstStyle/>
+          <a:p>
+            <a:r>
+              <a:rPr lang="ru-RU" dirty="0"/>
+              <a:t>Пример программы</a:t>
+            </a:r>
+          </a:p>
+        </p:txBody>
+      </p:sp>
+      <p:pic>
+        <p:nvPicPr>
+          <p:cNvPr id="1029" name="Picture 5"/>
+          <p:cNvPicPr>
+            <a:picLocks noGrp="1" noChangeAspect="1" noChangeArrowheads="1"/>
+          </p:cNvPicPr>
           <p:nvPr>
             <p:ph idx="1"/>
           </p:nvPr>
-        </p:nvSpPr>
-        <p:spPr/>
-        <p:txBody>
-          <a:bodyPr>
-            <a:normAutofit fontScale="77500" lnSpcReduction="20000"/>
-          </a:bodyPr>
-          <a:lstStyle/>
-          <a:p>
-            <a:r>
-              <a:rPr lang="ru-RU" dirty="0"/>
-              <a:t>код на C# компилируется в приложения или сборки с расширениями </a:t>
-            </a:r>
-            <a:r>
-              <a:rPr lang="ru-RU" dirty="0" err="1"/>
-              <a:t>exe</a:t>
-            </a:r>
-            <a:r>
-              <a:rPr lang="ru-RU" dirty="0"/>
-              <a:t> или </a:t>
-            </a:r>
-            <a:r>
-              <a:rPr lang="ru-RU" dirty="0" err="1"/>
-              <a:t>dll</a:t>
-            </a:r>
-            <a:r>
-              <a:rPr lang="ru-RU" dirty="0"/>
-              <a:t> на языке CIL. Далее при запуске на выполнение подобного приложения происходит JIT-компиляция (</a:t>
-            </a:r>
-            <a:r>
-              <a:rPr lang="ru-RU" dirty="0" err="1"/>
-              <a:t>Just-In-Time</a:t>
-            </a:r>
-            <a:r>
-              <a:rPr lang="ru-RU" dirty="0"/>
-              <a:t>) в машинный код, который затем выполняется. </a:t>
-            </a:r>
-          </a:p>
-          <a:p>
-            <a:r>
-              <a:rPr lang="ru-RU" dirty="0"/>
-              <a:t>При этом, поскольку наше приложение может быть большим, в текущий момент времени будет компилироваться лишь та часть приложения, к которой непосредственно идет обращение. Если мы обратимся к другой части кода, то она будет скомпилирована из CIL в машинный код. </a:t>
-            </a:r>
-          </a:p>
-          <a:p>
-            <a:r>
-              <a:rPr lang="ru-RU" dirty="0"/>
-              <a:t>Уже скомпилированная часть приложения сохраняется до завершения работы программы. </a:t>
-            </a:r>
-          </a:p>
-        </p:txBody>
-      </p:sp>
+        </p:nvPicPr>
+        <p:blipFill>
+          <a:blip r:embed="rId2" cstate="print"/>
+          <a:srcRect l="6125" t="22754" r="16001" b="17109"/>
+          <a:stretch>
+            <a:fillRect/>
+          </a:stretch>
+        </p:blipFill>
+        <p:spPr bwMode="auto">
+          <a:xfrm>
+            <a:off x="-1" y="1196752"/>
+            <a:ext cx="9180047" cy="3816424"/>
+          </a:xfrm>
+          <a:prstGeom prst="rect">
+            <a:avLst/>
+          </a:prstGeom>
+          <a:noFill/>
+          <a:ln w="9525">
+            <a:noFill/>
+            <a:miter lim="800000"/>
+            <a:headEnd/>
+            <a:tailEnd/>
+          </a:ln>
+        </p:spPr>
+      </p:pic>
       <p:sp>
         <p:nvSpPr>
           <p:cNvPr id="4" name="Номер слайда 3"/>
@@ -3258,6 +3238,48 @@
               <a:t>10</a:t>
             </a:fld>
             <a:endParaRPr lang="ru-RU"/>
+          </a:p>
+        </p:txBody>
+      </p:sp>
+      <p:sp>
+        <p:nvSpPr>
+          <p:cNvPr id="5" name="TextBox 4"/>
+          <p:cNvSpPr txBox="1"/>
+          <p:nvPr/>
+        </p:nvSpPr>
+        <p:spPr>
+          <a:xfrm>
+            <a:off x="251520" y="5301208"/>
+            <a:ext cx="8640960" cy="1200329"/>
+          </a:xfrm>
+          <a:prstGeom prst="rect">
+            <a:avLst/>
+          </a:prstGeom>
+          <a:noFill/>
+        </p:spPr>
+        <p:txBody>
+          <a:bodyPr wrap="square" rtlCol="0">
+            <a:spAutoFit/>
+          </a:bodyPr>
+          <a:lstStyle/>
+          <a:p>
+            <a:r>
+              <a:rPr lang="ru-RU" sz="2400" dirty="0"/>
+              <a:t>Любая программа должна содержать метод статический метод </a:t>
+            </a:r>
+            <a:r>
+              <a:rPr lang="en-US" sz="2400" dirty="0"/>
+              <a:t>Main</a:t>
+            </a:r>
+            <a:r>
+              <a:rPr lang="ru-RU" sz="2400" dirty="0"/>
+              <a:t>. Этот метод может быть объявлен внутри любого класса. В данном примере – класс </a:t>
+            </a:r>
+            <a:r>
+              <a:rPr lang="en-US" sz="2400" dirty="0"/>
+              <a:t>Program</a:t>
+            </a:r>
+            <a:endParaRPr lang="ru-RU" sz="2400" dirty="0"/>
           </a:p>
         </p:txBody>
       </p:sp>
@@ -3296,107 +3318,108 @@
             <p:ph type="title"/>
           </p:nvPr>
         </p:nvSpPr>
-        <p:spPr/>
-        <p:txBody>
-          <a:bodyPr/>
-          <a:lstStyle/>
-          <a:p>
-            <a:r>
-              <a:rPr lang="en-US" dirty="0"/>
-              <a:t>C# </a:t>
-            </a:r>
-            <a:r>
-              <a:rPr lang="en-US" dirty="0" err="1"/>
-              <a:t>vs</a:t>
-            </a:r>
-            <a:r>
-              <a:rPr lang="en-US" dirty="0"/>
-              <a:t> C++</a:t>
-            </a:r>
+        <p:spPr>
+          <a:xfrm>
+            <a:off x="395536" y="0"/>
+            <a:ext cx="8229600" cy="1143000"/>
+          </a:xfrm>
+        </p:spPr>
+        <p:txBody>
+          <a:bodyPr>
+            <a:normAutofit fontScale="90000"/>
+          </a:bodyPr>
+          <a:lstStyle/>
+          <a:p>
+            <a:r>
+              <a:rPr lang="ru-RU" dirty="0"/>
+              <a:t>Объектно-ориентированный подход</a:t>
+            </a:r>
+          </a:p>
+        </p:txBody>
+      </p:sp>
+      <p:sp>
+        <p:nvSpPr>
+          <p:cNvPr id="3" name="Содержимое 2"/>
+          <p:cNvSpPr>
+            <a:spLocks noGrp="1"/>
+          </p:cNvSpPr>
+          <p:nvPr>
+            <p:ph idx="1"/>
+          </p:nvPr>
+        </p:nvSpPr>
+        <p:spPr>
+          <a:xfrm>
+            <a:off x="0" y="980728"/>
+            <a:ext cx="9144000" cy="5661248"/>
+          </a:xfrm>
+        </p:spPr>
+        <p:txBody>
+          <a:bodyPr>
+            <a:normAutofit fontScale="92500" lnSpcReduction="20000"/>
+          </a:bodyPr>
+          <a:lstStyle/>
+          <a:p>
+            <a:pPr>
+              <a:lnSpc>
+                <a:spcPct val="120000"/>
+              </a:lnSpc>
+              <a:spcBef>
+                <a:spcPts val="0"/>
+              </a:spcBef>
+              <a:defRPr/>
+            </a:pPr>
+            <a:r>
+              <a:rPr lang="ru-RU" dirty="0"/>
+              <a:t>Весь окружающий мир - множество объектов. Каждый объект обладает определенными свойствами и поведением.</a:t>
+            </a:r>
+          </a:p>
+          <a:p>
+            <a:pPr>
+              <a:lnSpc>
+                <a:spcPct val="120000"/>
+              </a:lnSpc>
+              <a:spcBef>
+                <a:spcPts val="0"/>
+              </a:spcBef>
+              <a:defRPr/>
+            </a:pPr>
+            <a:r>
+              <a:rPr lang="ru-RU" dirty="0"/>
+              <a:t>Учет всех свойств объекта затруднителен или невозможен, поэтому объекты заменяются моделями – абстракциями. Рассматривая похожие объекты, игнорируются некоторые частные особенности и создает обобщенный образ.</a:t>
+            </a:r>
+          </a:p>
+          <a:p>
+            <a:pPr>
+              <a:lnSpc>
+                <a:spcPct val="120000"/>
+              </a:lnSpc>
+              <a:spcBef>
+                <a:spcPts val="0"/>
+              </a:spcBef>
+              <a:defRPr/>
+            </a:pPr>
+            <a:r>
+              <a:rPr lang="ru-RU" dirty="0"/>
+              <a:t>Абстрактным объектам присущи свойства и методы поведения. Конкретные объекты обладают уникальными значениями свойств. </a:t>
+            </a:r>
+          </a:p>
+          <a:p>
+            <a:pPr>
+              <a:lnSpc>
+                <a:spcPct val="120000"/>
+              </a:lnSpc>
+              <a:spcBef>
+                <a:spcPts val="0"/>
+              </a:spcBef>
+              <a:defRPr/>
+            </a:pPr>
+            <a:r>
+              <a:rPr lang="ru-RU" dirty="0"/>
+              <a:t>Примеры?</a:t>
+            </a:r>
+          </a:p>
+          <a:p>
             <a:endParaRPr lang="ru-RU" dirty="0"/>
-          </a:p>
-        </p:txBody>
-      </p:sp>
-      <p:sp>
-        <p:nvSpPr>
-          <p:cNvPr id="3" name="Содержимое 2"/>
-          <p:cNvSpPr>
-            <a:spLocks noGrp="1"/>
-          </p:cNvSpPr>
-          <p:nvPr>
-            <p:ph idx="1"/>
-          </p:nvPr>
-        </p:nvSpPr>
-        <p:spPr/>
-        <p:txBody>
-          <a:bodyPr/>
-          <a:lstStyle/>
-          <a:p>
-            <a:r>
-              <a:rPr lang="ru-RU" b="1" dirty="0"/>
-              <a:t>Скорость разработки</a:t>
-            </a:r>
-          </a:p>
-          <a:p>
-            <a:r>
-              <a:rPr lang="ru-RU" b="1" dirty="0" err="1"/>
-              <a:t>Кросплатформенность</a:t>
-            </a:r>
-            <a:endParaRPr lang="ru-RU" b="1" dirty="0"/>
-          </a:p>
-          <a:p>
-            <a:r>
-              <a:rPr lang="ru-RU" b="1" dirty="0"/>
-              <a:t>Производительность</a:t>
-            </a:r>
-            <a:r>
-              <a:rPr lang="en-US" b="1" dirty="0"/>
-              <a:t>,</a:t>
-            </a:r>
-            <a:r>
-              <a:rPr lang="ru-RU" b="1" dirty="0"/>
-              <a:t> стабильность работы кода</a:t>
-            </a:r>
-            <a:endParaRPr lang="en-US" b="1" dirty="0"/>
-          </a:p>
-          <a:p>
-            <a:r>
-              <a:rPr lang="ru-RU" b="1" dirty="0"/>
-              <a:t>Библиотеки</a:t>
-            </a:r>
-          </a:p>
-          <a:p>
-            <a:r>
-              <a:rPr lang="ru-RU" b="1" dirty="0"/>
-              <a:t>Язык и Синтаксис</a:t>
-            </a:r>
-          </a:p>
-          <a:p>
-            <a:endParaRPr lang="ru-RU" dirty="0"/>
-          </a:p>
-        </p:txBody>
-      </p:sp>
-      <p:sp>
-        <p:nvSpPr>
-          <p:cNvPr id="4" name="Номер слайда 3"/>
-          <p:cNvSpPr>
-            <a:spLocks noGrp="1"/>
-          </p:cNvSpPr>
-          <p:nvPr>
-            <p:ph type="sldNum" sz="quarter" idx="12"/>
-          </p:nvPr>
-        </p:nvSpPr>
-        <p:spPr/>
-        <p:txBody>
-          <a:bodyPr/>
-          <a:lstStyle/>
-          <a:p>
-            <a:fld id="{194E9D9E-8475-4C3D-B07C-FDD1702DB06B}" type="slidenum">
-              <a:rPr lang="ru-RU" smtClean="0"/>
-              <a:pPr/>
-              <a:t>11</a:t>
-            </a:fld>
-            <a:endParaRPr lang="ru-RU"/>
           </a:p>
         </p:txBody>
       </p:sp>
@@ -3437,118 +3460,123 @@
         </p:nvSpPr>
         <p:spPr>
           <a:xfrm>
-            <a:off x="539552" y="260648"/>
-            <a:ext cx="8229600" cy="1143000"/>
+            <a:off x="0" y="0"/>
+            <a:ext cx="9144000" cy="1143000"/>
           </a:xfrm>
         </p:spPr>
         <p:txBody>
-          <a:bodyPr/>
-          <a:lstStyle/>
-          <a:p>
-            <a:r>
-              <a:rPr lang="ru-RU" dirty="0"/>
-              <a:t>Пример программы</a:t>
-            </a:r>
-          </a:p>
-        </p:txBody>
-      </p:sp>
-      <p:pic>
-        <p:nvPicPr>
-          <p:cNvPr id="1029" name="Picture 5"/>
-          <p:cNvPicPr>
-            <a:picLocks noGrp="1" noChangeAspect="1" noChangeArrowheads="1"/>
-          </p:cNvPicPr>
+          <a:bodyPr>
+            <a:normAutofit/>
+          </a:bodyPr>
+          <a:lstStyle/>
+          <a:p>
+            <a:r>
+              <a:rPr lang="ru-RU" dirty="0"/>
+              <a:t>Объектно-ориентированный подход</a:t>
+            </a:r>
+          </a:p>
+        </p:txBody>
+      </p:sp>
+      <p:sp>
+        <p:nvSpPr>
+          <p:cNvPr id="3" name="Содержимое 2"/>
+          <p:cNvSpPr>
+            <a:spLocks noGrp="1"/>
+          </p:cNvSpPr>
           <p:nvPr>
             <p:ph idx="1"/>
           </p:nvPr>
-        </p:nvPicPr>
-        <p:blipFill>
-          <a:blip r:embed="rId2" cstate="print"/>
-          <a:srcRect l="6125" t="22754" r="16001" b="17109"/>
-          <a:stretch>
-            <a:fillRect/>
-          </a:stretch>
-        </p:blipFill>
-        <p:spPr bwMode="auto">
-          <a:xfrm>
-            <a:off x="-1" y="1196752"/>
-            <a:ext cx="9180047" cy="3816424"/>
-          </a:xfrm>
-          <a:prstGeom prst="rect">
-            <a:avLst/>
-          </a:prstGeom>
-          <a:noFill/>
-          <a:ln w="9525">
-            <a:noFill/>
-            <a:miter lim="800000"/>
-            <a:headEnd/>
-            <a:tailEnd/>
-          </a:ln>
-        </p:spPr>
-      </p:pic>
-      <p:sp>
-        <p:nvSpPr>
-          <p:cNvPr id="4" name="Номер слайда 3"/>
-          <p:cNvSpPr>
-            <a:spLocks noGrp="1"/>
-          </p:cNvSpPr>
-          <p:nvPr>
-            <p:ph type="sldNum" sz="quarter" idx="12"/>
-          </p:nvPr>
-        </p:nvSpPr>
-        <p:spPr/>
-        <p:txBody>
-          <a:bodyPr/>
-          <a:lstStyle/>
-          <a:p>
-            <a:fld id="{194E9D9E-8475-4C3D-B07C-FDD1702DB06B}" type="slidenum">
-              <a:rPr lang="ru-RU" smtClean="0"/>
-              <a:pPr/>
-              <a:t>12</a:t>
-            </a:fld>
-            <a:endParaRPr lang="ru-RU"/>
-          </a:p>
-        </p:txBody>
-      </p:sp>
-      <p:sp>
-        <p:nvSpPr>
-          <p:cNvPr id="5" name="TextBox 4"/>
-          <p:cNvSpPr txBox="1"/>
-          <p:nvPr/>
         </p:nvSpPr>
         <p:spPr>
           <a:xfrm>
-            <a:off x="251520" y="5301208"/>
-            <a:ext cx="8640960" cy="1200329"/>
+            <a:off x="0" y="1124744"/>
+            <a:ext cx="9144000" cy="5733256"/>
           </a:xfrm>
-          <a:prstGeom prst="rect">
-            <a:avLst/>
-          </a:prstGeom>
-          <a:noFill/>
         </p:spPr>
         <p:txBody>
-          <a:bodyPr wrap="square" rtlCol="0">
-            <a:spAutoFit/>
+          <a:bodyPr>
+            <a:normAutofit fontScale="77500" lnSpcReduction="20000"/>
           </a:bodyPr>
           <a:lstStyle/>
           <a:p>
-            <a:r>
-              <a:rPr lang="ru-RU" sz="2400" dirty="0"/>
-              <a:t>Любая программа должна содержать метод статический метод </a:t>
-            </a:r>
-            <a:r>
-              <a:rPr lang="en-US" sz="2400" dirty="0"/>
-              <a:t>Main</a:t>
-            </a:r>
-            <a:r>
-              <a:rPr lang="ru-RU" sz="2400" dirty="0"/>
-              <a:t>. Этот метод может быть объявлен внутри любого класса. В данном примере – класс </a:t>
-            </a:r>
-            <a:r>
-              <a:rPr lang="en-US" sz="2400" dirty="0"/>
-              <a:t>Program</a:t>
-            </a:r>
-            <a:endParaRPr lang="ru-RU" sz="2400" dirty="0"/>
+            <a:pPr>
+              <a:lnSpc>
+                <a:spcPct val="120000"/>
+              </a:lnSpc>
+              <a:spcBef>
+                <a:spcPts val="0"/>
+              </a:spcBef>
+              <a:defRPr/>
+            </a:pPr>
+            <a:r>
+              <a:rPr lang="ru-RU" dirty="0"/>
+              <a:t>В программировании каждой абстракции соответствует структура данных – класс, которая выражает свойства и поведение объекта в терминах переменных и функций.</a:t>
+            </a:r>
+          </a:p>
+          <a:p>
+            <a:pPr>
+              <a:lnSpc>
+                <a:spcPct val="120000"/>
+              </a:lnSpc>
+              <a:spcBef>
+                <a:spcPts val="0"/>
+              </a:spcBef>
+              <a:defRPr/>
+            </a:pPr>
+            <a:r>
+              <a:rPr lang="ru-RU" dirty="0"/>
+              <a:t>Конкретному объекту абстракции соответствует экземпляр некоторого класса.</a:t>
+            </a:r>
+          </a:p>
+          <a:p>
+            <a:pPr>
+              <a:lnSpc>
+                <a:spcPct val="120000"/>
+              </a:lnSpc>
+              <a:spcBef>
+                <a:spcPts val="0"/>
+              </a:spcBef>
+              <a:defRPr/>
+            </a:pPr>
+            <a:r>
+              <a:rPr lang="ru-RU" dirty="0"/>
+              <a:t>Например, класс – «Человек», так как это абстракция, выбираем интересующие нас свойства: «ФИО», «рост», «вес», «год рождения»</a:t>
+            </a:r>
+          </a:p>
+          <a:p>
+            <a:pPr>
+              <a:lnSpc>
+                <a:spcPct val="120000"/>
+              </a:lnSpc>
+              <a:spcBef>
+                <a:spcPts val="0"/>
+              </a:spcBef>
+              <a:defRPr/>
+            </a:pPr>
+            <a:r>
+              <a:rPr lang="ru-RU" dirty="0"/>
+              <a:t>Тогда объектами (экземплярами) класса будут:  Иванов Иван Иванович (рост = 170, вес = 60, год = 2000),  и Петров Петр Петрович (рост = 180, вес = 70, год = 1998)</a:t>
+            </a:r>
+          </a:p>
+          <a:p>
+            <a:pPr>
+              <a:lnSpc>
+                <a:spcPct val="120000"/>
+              </a:lnSpc>
+              <a:spcBef>
+                <a:spcPts val="0"/>
+              </a:spcBef>
+              <a:defRPr/>
+            </a:pPr>
+            <a:r>
+              <a:rPr lang="ru-RU" dirty="0"/>
+              <a:t>Таким образом, класс – это составной тип данных, который определяется программистом и включает в себя и функции (методы) для работы с </a:t>
+            </a:r>
+            <a:r>
+              <a:rPr lang="ru-RU"/>
+              <a:t>этими данными.</a:t>
+            </a:r>
+            <a:endParaRPr lang="ru-RU" dirty="0"/>
           </a:p>
         </p:txBody>
       </p:sp>
@@ -3589,19 +3617,19 @@
         </p:nvSpPr>
         <p:spPr>
           <a:xfrm>
-            <a:off x="395536" y="0"/>
+            <a:off x="467544" y="-90264"/>
             <a:ext cx="8229600" cy="1143000"/>
           </a:xfrm>
         </p:spPr>
         <p:txBody>
           <a:bodyPr>
-            <a:normAutofit fontScale="90000"/>
+            <a:normAutofit/>
           </a:bodyPr>
           <a:lstStyle/>
           <a:p>
             <a:r>
               <a:rPr lang="ru-RU" dirty="0"/>
-              <a:t>Объектно-ориентированный подход</a:t>
+              <a:t>Определение класса</a:t>
             </a:r>
           </a:p>
         </p:txBody>
@@ -3618,76 +3646,74 @@
         </p:nvSpPr>
         <p:spPr>
           <a:xfrm>
-            <a:off x="0" y="980728"/>
-            <a:ext cx="9144000" cy="5661248"/>
+            <a:off x="0" y="1052736"/>
+            <a:ext cx="9144000" cy="5805264"/>
           </a:xfrm>
         </p:spPr>
         <p:txBody>
           <a:bodyPr>
-            <a:normAutofit fontScale="92500" lnSpcReduction="20000"/>
+            <a:normAutofit fontScale="85000" lnSpcReduction="10000"/>
           </a:bodyPr>
           <a:lstStyle/>
           <a:p>
+            <a:r>
+              <a:rPr lang="ru-RU" dirty="0"/>
+              <a:t>Каждое поле класса может иметь разную природу, соответственно отличается представление такого объекта в памяти и его размер.</a:t>
+            </a:r>
+            <a:endParaRPr lang="en-US" dirty="0"/>
+          </a:p>
+          <a:p>
+            <a:r>
+              <a:rPr lang="ru-RU" dirty="0"/>
+              <a:t>Из примера выше:</a:t>
+            </a:r>
+          </a:p>
+          <a:p>
+            <a:pPr lvl="1"/>
+            <a:r>
+              <a:rPr lang="ru-RU" dirty="0"/>
+              <a:t>«рост», «вес» могут быть представлены вещественным числом, каждое по 8 байт</a:t>
+            </a:r>
+          </a:p>
+          <a:p>
+            <a:pPr lvl="1"/>
+            <a:r>
+              <a:rPr lang="ru-RU" dirty="0"/>
+              <a:t>«год рождения» - целое число, 4 байта</a:t>
+            </a:r>
+          </a:p>
+          <a:p>
+            <a:pPr lvl="1"/>
+            <a:r>
+              <a:rPr lang="ru-RU" dirty="0"/>
+              <a:t>а «ФИО» - строка, и фактический размер зависит от ее содержимого</a:t>
+            </a:r>
+            <a:r>
+              <a:rPr lang="en-US" dirty="0"/>
+              <a:t>, </a:t>
+            </a:r>
+            <a:r>
+              <a:rPr lang="ru-RU" dirty="0"/>
+              <a:t>например Иванов И.И. – 12 символов, Ивановиченко И.И. - 18.</a:t>
+            </a:r>
+            <a:endParaRPr lang="en-US" dirty="0"/>
+          </a:p>
+          <a:p>
+            <a:r>
+              <a:rPr lang="ru-RU" dirty="0"/>
+              <a:t>По сути, описание класса является указанием компилятору, сколько оперативной памяти нужно выделять при создании экземпляра класса, т.к. содержимое разных классов может отличаться как по списку полей, так и по типам данных, их представляющим</a:t>
+            </a:r>
+          </a:p>
+          <a:p>
+            <a:endParaRPr lang="ru-RU" dirty="0"/>
+          </a:p>
+          <a:p>
+            <a:endParaRPr lang="ru-RU" dirty="0"/>
+          </a:p>
+          <a:p>
             <a:pPr>
-              <a:lnSpc>
-                <a:spcPct val="120000"/>
-              </a:lnSpc>
-              <a:spcBef>
-                <a:spcPts val="0"/>
-              </a:spcBef>
-              <a:defRPr/>
+              <a:buNone/>
             </a:pPr>
-            <a:r>
-              <a:rPr lang="ru-RU" dirty="0"/>
-              <a:t>Весь окружающий мир - множество объектов. Каждый объект обладает определенными свойствами и поведением.</a:t>
-            </a:r>
-          </a:p>
-          <a:p>
-            <a:pPr>
-              <a:lnSpc>
-                <a:spcPct val="120000"/>
-              </a:lnSpc>
-              <a:spcBef>
-                <a:spcPts val="0"/>
-              </a:spcBef>
-              <a:defRPr/>
-            </a:pPr>
-            <a:r>
-              <a:rPr lang="ru-RU" dirty="0"/>
-              <a:t>Учет всех свойств объекта затруднителен или невозможен, поэтому объекты заменяются моделями – абстракциями. Рассматривая похожие объекты, игнорируются некоторые частные особенности и создает обобщенный образ.</a:t>
-            </a:r>
-          </a:p>
-          <a:p>
-            <a:pPr>
-              <a:lnSpc>
-                <a:spcPct val="120000"/>
-              </a:lnSpc>
-              <a:spcBef>
-                <a:spcPts val="0"/>
-              </a:spcBef>
-              <a:defRPr/>
-            </a:pPr>
-            <a:r>
-              <a:rPr lang="ru-RU" dirty="0"/>
-              <a:t>Абстрактным объектам присущи свойства и методы поведения. Конкретные объекты обладают уникальными значениями свойств. </a:t>
-            </a:r>
-          </a:p>
-          <a:p>
-            <a:pPr>
-              <a:lnSpc>
-                <a:spcPct val="120000"/>
-              </a:lnSpc>
-              <a:spcBef>
-                <a:spcPts val="0"/>
-              </a:spcBef>
-              <a:defRPr/>
-            </a:pPr>
-            <a:r>
-              <a:rPr lang="ru-RU" dirty="0"/>
-              <a:t>Примеры?</a:t>
-            </a:r>
-          </a:p>
-          <a:p>
             <a:endParaRPr lang="ru-RU" dirty="0"/>
           </a:p>
         </p:txBody>
@@ -3730,18 +3756,18 @@
         <p:spPr>
           <a:xfrm>
             <a:off x="0" y="0"/>
-            <a:ext cx="9144000" cy="1143000"/>
+            <a:ext cx="9144000" cy="980728"/>
           </a:xfrm>
         </p:spPr>
         <p:txBody>
           <a:bodyPr>
-            <a:normAutofit/>
+            <a:normAutofit fontScale="90000"/>
           </a:bodyPr>
           <a:lstStyle/>
           <a:p>
             <a:r>
               <a:rPr lang="ru-RU" dirty="0"/>
-              <a:t>Объектно-ориентированный подход</a:t>
+              <a:t>Чем может быть переменная? Основные типы данных.</a:t>
             </a:r>
           </a:p>
         </p:txBody>
@@ -3758,89 +3784,192 @@
         </p:nvSpPr>
         <p:spPr>
           <a:xfrm>
-            <a:off x="0" y="1124744"/>
-            <a:ext cx="9144000" cy="5733256"/>
+            <a:off x="179512" y="1052736"/>
+            <a:ext cx="8784976" cy="5805264"/>
           </a:xfrm>
         </p:spPr>
         <p:txBody>
           <a:bodyPr>
-            <a:normAutofit fontScale="77500" lnSpcReduction="20000"/>
+            <a:normAutofit fontScale="92500" lnSpcReduction="10000"/>
           </a:bodyPr>
           <a:lstStyle/>
           <a:p>
+            <a:r>
+              <a:rPr lang="ru-RU" dirty="0"/>
+              <a:t>Встроенные типы. Из них будем использовать:</a:t>
+            </a:r>
+          </a:p>
+          <a:p>
+            <a:pPr lvl="1"/>
+            <a:r>
+              <a:rPr lang="en-US" dirty="0" err="1"/>
+              <a:t>int</a:t>
+            </a:r>
+            <a:r>
+              <a:rPr lang="en-US" dirty="0"/>
+              <a:t> </a:t>
+            </a:r>
+            <a:r>
+              <a:rPr lang="ru-RU" dirty="0"/>
+              <a:t> –</a:t>
+            </a:r>
+            <a:r>
+              <a:rPr lang="en-US" dirty="0"/>
+              <a:t> </a:t>
+            </a:r>
+            <a:r>
+              <a:rPr lang="ru-RU" dirty="0"/>
+              <a:t>целое число</a:t>
+            </a:r>
+            <a:r>
+              <a:rPr lang="en-US" dirty="0"/>
+              <a:t>;</a:t>
+            </a:r>
+            <a:endParaRPr lang="ru-RU" dirty="0"/>
+          </a:p>
+          <a:p>
+            <a:pPr lvl="1"/>
+            <a:r>
+              <a:rPr lang="en-US" dirty="0"/>
+              <a:t>double</a:t>
+            </a:r>
+            <a:r>
+              <a:rPr lang="ru-RU" dirty="0"/>
+              <a:t> – дробное число</a:t>
+            </a:r>
+            <a:r>
+              <a:rPr lang="en-US" dirty="0"/>
+              <a:t>;</a:t>
+            </a:r>
+            <a:endParaRPr lang="ru-RU" dirty="0"/>
+          </a:p>
+          <a:p>
+            <a:pPr lvl="1"/>
+            <a:r>
+              <a:rPr lang="en-US" dirty="0" err="1"/>
+              <a:t>bool</a:t>
+            </a:r>
+            <a:r>
+              <a:rPr lang="ru-RU" dirty="0"/>
+              <a:t> – логическая переменная (принимает 2 значения: </a:t>
+            </a:r>
+            <a:r>
+              <a:rPr lang="en-US" dirty="0"/>
+              <a:t>true </a:t>
+            </a:r>
+            <a:r>
+              <a:rPr lang="ru-RU" dirty="0"/>
+              <a:t>или </a:t>
+            </a:r>
+            <a:r>
+              <a:rPr lang="en-US" dirty="0"/>
+              <a:t>false</a:t>
+            </a:r>
+            <a:r>
+              <a:rPr lang="ru-RU" dirty="0"/>
+              <a:t> – истина и ложь</a:t>
+            </a:r>
+            <a:r>
+              <a:rPr lang="en-US" dirty="0"/>
+              <a:t>);</a:t>
+            </a:r>
+            <a:endParaRPr lang="ru-RU" dirty="0"/>
+          </a:p>
+          <a:p>
+            <a:pPr lvl="1"/>
+            <a:r>
+              <a:rPr lang="en-US" dirty="0"/>
+              <a:t>String – </a:t>
+            </a:r>
+            <a:r>
+              <a:rPr lang="ru-RU" dirty="0"/>
+              <a:t>строка</a:t>
+            </a:r>
+            <a:r>
+              <a:rPr lang="en-US" dirty="0"/>
+              <a:t>, </a:t>
+            </a:r>
+            <a:r>
+              <a:rPr lang="ru-RU" dirty="0"/>
+              <a:t>текст;</a:t>
+            </a:r>
+          </a:p>
+          <a:p>
+            <a:pPr lvl="1"/>
+            <a:r>
+              <a:rPr lang="en-US" dirty="0" err="1"/>
+              <a:t>DateTime</a:t>
+            </a:r>
+            <a:r>
+              <a:rPr lang="en-US" dirty="0"/>
+              <a:t> – </a:t>
+            </a:r>
+            <a:r>
+              <a:rPr lang="ru-RU" dirty="0"/>
+              <a:t>дата + время;</a:t>
+            </a:r>
+            <a:endParaRPr lang="en-US" dirty="0"/>
+          </a:p>
+          <a:p>
+            <a:pPr lvl="1"/>
+            <a:r>
+              <a:rPr lang="ru-RU" dirty="0"/>
+              <a:t>Другие классы или структуры (как пользовательские, так и встроенные).</a:t>
+            </a:r>
+            <a:endParaRPr lang="en-US" dirty="0"/>
+          </a:p>
+          <a:p>
+            <a:r>
+              <a:rPr lang="ru-RU" dirty="0"/>
+              <a:t>Если переменная содержит набор значений, то можно использовать массив или список:</a:t>
+            </a:r>
+          </a:p>
+          <a:p>
             <a:pPr>
-              <a:lnSpc>
-                <a:spcPct val="120000"/>
-              </a:lnSpc>
-              <a:spcBef>
-                <a:spcPts val="0"/>
-              </a:spcBef>
-              <a:defRPr/>
+              <a:buNone/>
             </a:pPr>
             <a:r>
               <a:rPr lang="ru-RU" dirty="0"/>
-              <a:t>В программировании каждой абстракции соответствует структура данных – класс, которая выражает свойства и поведение объекта в терминах переменных и функций.</a:t>
+              <a:t>	</a:t>
+            </a:r>
+            <a:r>
+              <a:rPr lang="ru-RU" dirty="0" err="1"/>
+              <a:t>тип_данных_одного_элемента</a:t>
+            </a:r>
+            <a:r>
+              <a:rPr lang="ru-RU" dirty="0"/>
+              <a:t> </a:t>
+            </a:r>
+            <a:r>
+              <a:rPr lang="en-US" dirty="0"/>
+              <a:t>[ ]</a:t>
             </a:r>
           </a:p>
           <a:p>
             <a:pPr>
-              <a:lnSpc>
-                <a:spcPct val="120000"/>
-              </a:lnSpc>
-              <a:spcBef>
-                <a:spcPts val="0"/>
-              </a:spcBef>
-              <a:defRPr/>
+              <a:buNone/>
             </a:pPr>
             <a:r>
-              <a:rPr lang="ru-RU" dirty="0"/>
-              <a:t>Конкретному объекту абстракции соответствует экземпляр некоторого класса.</a:t>
-            </a:r>
-          </a:p>
-          <a:p>
-            <a:pPr>
-              <a:lnSpc>
-                <a:spcPct val="120000"/>
-              </a:lnSpc>
-              <a:spcBef>
-                <a:spcPts val="0"/>
-              </a:spcBef>
-              <a:defRPr/>
-            </a:pPr>
-            <a:r>
-              <a:rPr lang="ru-RU" dirty="0"/>
-              <a:t>Например, класс – «Человек», так как это абстракция, выбираем интересующие нас свойства: «ФИО», «рост», «вес», «год рождения»</a:t>
-            </a:r>
-          </a:p>
-          <a:p>
-            <a:pPr>
-              <a:lnSpc>
-                <a:spcPct val="120000"/>
-              </a:lnSpc>
-              <a:spcBef>
-                <a:spcPts val="0"/>
-              </a:spcBef>
-              <a:defRPr/>
-            </a:pPr>
-            <a:r>
-              <a:rPr lang="ru-RU" dirty="0"/>
-              <a:t>Тогда объектами (экземплярами) класса будут:  Иванов Иван Иванович (рост = 170, вес = 60, год = 2000),  и Петров Петр Петрович (рост = 180, вес = 70, год = 1998)</a:t>
-            </a:r>
-          </a:p>
-          <a:p>
-            <a:pPr>
-              <a:lnSpc>
-                <a:spcPct val="120000"/>
-              </a:lnSpc>
-              <a:spcBef>
-                <a:spcPts val="0"/>
-              </a:spcBef>
-              <a:defRPr/>
-            </a:pPr>
-            <a:r>
-              <a:rPr lang="ru-RU" dirty="0"/>
-              <a:t>Таким образом, класс – это составной тип данных, который определяется программистом и включает в себя данные-элементы (ДЭ) и функции-элементы (ФЭ)</a:t>
-            </a:r>
+              <a:rPr lang="en-US" dirty="0"/>
+              <a:t>	List&lt; </a:t>
+            </a:r>
+            <a:r>
+              <a:rPr lang="ru-RU" dirty="0" err="1"/>
+              <a:t>тип_данных</a:t>
+            </a:r>
+            <a:r>
+              <a:rPr lang="en-US" dirty="0"/>
+              <a:t>_</a:t>
+            </a:r>
+            <a:r>
+              <a:rPr lang="ru-RU" dirty="0" err="1"/>
+              <a:t>одного_элемента</a:t>
+            </a:r>
+            <a:r>
+              <a:rPr lang="en-US" dirty="0"/>
+              <a:t> &gt; </a:t>
+            </a:r>
+            <a:endParaRPr lang="ru-RU" dirty="0"/>
           </a:p>
         </p:txBody>
       </p:sp>
@@ -3871,7 +4000,13 @@
       </p:grpSpPr>
       <p:sp>
         <p:nvSpPr>
-          <p:cNvPr id="2" name="Заголовок 1"/>
+          <p:cNvPr id="2" name="Заголовок 1">
+            <a:extLst>
+              <a:ext uri="{FF2B5EF4-FFF2-40B4-BE49-F238E27FC236}">
+                <a16:creationId xmlns:a16="http://schemas.microsoft.com/office/drawing/2014/main" id="{B6D48390-A52C-4013-A295-040648A7EFBA}"/>
+              </a:ext>
+            </a:extLst>
+          </p:cNvPr>
           <p:cNvSpPr>
             <a:spLocks noGrp="1"/>
           </p:cNvSpPr>
@@ -3879,110 +4014,76 @@
             <p:ph type="title"/>
           </p:nvPr>
         </p:nvSpPr>
-        <p:spPr>
-          <a:xfrm>
-            <a:off x="467544" y="-90264"/>
-            <a:ext cx="8229600" cy="1143000"/>
-          </a:xfrm>
-        </p:spPr>
+        <p:spPr/>
+        <p:txBody>
+          <a:bodyPr/>
+          <a:lstStyle/>
+          <a:p>
+            <a:r>
+              <a:rPr lang="ru-RU" dirty="0"/>
+              <a:t>Объявления переменных</a:t>
+            </a:r>
+          </a:p>
+        </p:txBody>
+      </p:sp>
+      <p:sp>
+        <p:nvSpPr>
+          <p:cNvPr id="3" name="Объект 2">
+            <a:extLst>
+              <a:ext uri="{FF2B5EF4-FFF2-40B4-BE49-F238E27FC236}">
+                <a16:creationId xmlns:a16="http://schemas.microsoft.com/office/drawing/2014/main" id="{C75124DB-57B7-4F4E-BD1A-9D01C655774C}"/>
+              </a:ext>
+            </a:extLst>
+          </p:cNvPr>
+          <p:cNvSpPr>
+            <a:spLocks noGrp="1"/>
+          </p:cNvSpPr>
+          <p:nvPr>
+            <p:ph idx="1"/>
+          </p:nvPr>
+        </p:nvSpPr>
+        <p:spPr/>
         <p:txBody>
           <a:bodyPr>
-            <a:normAutofit/>
+            <a:normAutofit fontScale="92500" lnSpcReduction="10000"/>
           </a:bodyPr>
           <a:lstStyle/>
           <a:p>
             <a:r>
               <a:rPr lang="ru-RU" dirty="0"/>
-              <a:t>Определение класса</a:t>
-            </a:r>
-          </a:p>
-        </p:txBody>
-      </p:sp>
-      <p:sp>
-        <p:nvSpPr>
-          <p:cNvPr id="3" name="Содержимое 2"/>
-          <p:cNvSpPr>
-            <a:spLocks noGrp="1"/>
-          </p:cNvSpPr>
-          <p:nvPr>
-            <p:ph idx="1"/>
-          </p:nvPr>
-        </p:nvSpPr>
-        <p:spPr>
-          <a:xfrm>
-            <a:off x="0" y="1052736"/>
-            <a:ext cx="9144000" cy="5805264"/>
-          </a:xfrm>
-        </p:spPr>
-        <p:txBody>
-          <a:bodyPr>
-            <a:normAutofit fontScale="85000" lnSpcReduction="10000"/>
-          </a:bodyPr>
-          <a:lstStyle/>
-          <a:p>
-            <a:r>
-              <a:rPr lang="ru-RU" dirty="0"/>
-              <a:t>Каждое поле класса может иметь разную природу, соответственно отличается представление такого объекта в памяти и его размер.</a:t>
+              <a:t>Объявление переменной - это указание компилятору о выделении памяти для хранения данных определенного типа и имени. </a:t>
             </a:r>
             <a:endParaRPr lang="en-US" dirty="0"/>
           </a:p>
           <a:p>
             <a:r>
               <a:rPr lang="ru-RU" dirty="0"/>
-              <a:t>Из примера выше:</a:t>
-            </a:r>
-          </a:p>
-          <a:p>
-            <a:pPr lvl="1"/>
-            <a:r>
-              <a:rPr lang="ru-RU" dirty="0"/>
-              <a:t>«рост», «вес» могут быть представлены вещественным числом, каждое по 8 байт</a:t>
-            </a:r>
-          </a:p>
-          <a:p>
-            <a:pPr lvl="1"/>
-            <a:r>
-              <a:rPr lang="ru-RU" dirty="0"/>
-              <a:t>«год рождения» - целое число, 4 байта</a:t>
-            </a:r>
-          </a:p>
-          <a:p>
-            <a:pPr lvl="1"/>
-            <a:r>
-              <a:rPr lang="ru-RU" dirty="0"/>
-              <a:t>а «ФИО» - строка, и фактический размер зависит от ее содержимого</a:t>
-            </a:r>
-            <a:r>
-              <a:rPr lang="en-US" dirty="0"/>
-              <a:t>, </a:t>
-            </a:r>
-            <a:r>
-              <a:rPr lang="ru-RU" dirty="0"/>
-              <a:t>например Иванов И.И. – 12 символов, Ивановиченко И.И. - 18.</a:t>
+              <a:t>В C# переменные должны быть объявлены до их использования, и их тип и имя указываются при объявлении.</a:t>
             </a:r>
             <a:endParaRPr lang="en-US" dirty="0"/>
           </a:p>
           <a:p>
             <a:r>
               <a:rPr lang="ru-RU" dirty="0"/>
-              <a:t>По сути, описание класса является указанием компилятору, сколько оперативной памяти нужно выделять при создании экземпляра класса, т.к. содержимое разных классов может отличаться как по списку полей, так и по типам данных, их представляющим</a:t>
-            </a:r>
-          </a:p>
-          <a:p>
-            <a:endParaRPr lang="ru-RU" dirty="0"/>
-          </a:p>
-          <a:p>
-            <a:endParaRPr lang="ru-RU" dirty="0"/>
-          </a:p>
-          <a:p>
-            <a:pPr>
-              <a:buNone/>
-            </a:pPr>
-            <a:endParaRPr lang="ru-RU" dirty="0"/>
+              <a:t>Могут быть объявлены при определении класса (в этом случае их называют поля класса) или внутри метода</a:t>
+            </a:r>
+            <a:r>
+              <a:rPr lang="en-US" dirty="0"/>
+              <a:t> </a:t>
+            </a:r>
+            <a:r>
+              <a:rPr lang="ru-RU" dirty="0"/>
+              <a:t>(функции);</a:t>
+            </a:r>
           </a:p>
         </p:txBody>
       </p:sp>
     </p:spTree>
+    <p:extLst>
+      <p:ext uri="{BB962C8B-B14F-4D97-AF65-F5344CB8AC3E}">
+        <p14:creationId xmlns:p14="http://schemas.microsoft.com/office/powerpoint/2010/main" val="7777344"/>
+      </p:ext>
+    </p:extLst>
   </p:cSld>
   <p:clrMapOvr>
     <a:masterClrMapping/>
@@ -4020,26 +4121,19 @@
         <p:spPr>
           <a:xfrm>
             <a:off x="467544" y="0"/>
-            <a:ext cx="8229600" cy="836712"/>
+            <a:ext cx="8229600" cy="692696"/>
           </a:xfrm>
         </p:spPr>
         <p:txBody>
-          <a:bodyPr/>
-          <a:lstStyle/>
-          <a:p>
-            <a:r>
-              <a:rPr lang="ru-RU" altLang="ru-RU" dirty="0"/>
-              <a:t>Определение </a:t>
-            </a:r>
-            <a:r>
-              <a:rPr lang="ru-RU" altLang="ru-RU" u="sng" dirty="0"/>
-              <a:t>данных</a:t>
-            </a:r>
-            <a:r>
-              <a:rPr lang="ru-RU" altLang="ru-RU" dirty="0"/>
-              <a:t> класса</a:t>
-            </a:r>
-            <a:endParaRPr lang="ru-RU" dirty="0"/>
+          <a:bodyPr>
+            <a:normAutofit fontScale="90000"/>
+          </a:bodyPr>
+          <a:lstStyle/>
+          <a:p>
+            <a:r>
+              <a:rPr lang="ru-RU" dirty="0"/>
+              <a:t>Примеры объявления переменных</a:t>
+            </a:r>
           </a:p>
         </p:txBody>
       </p:sp>
@@ -4055,162 +4149,105 @@
         </p:nvSpPr>
         <p:spPr>
           <a:xfrm>
-            <a:off x="179512" y="908720"/>
-            <a:ext cx="8784976" cy="5949280"/>
+            <a:off x="467544" y="764704"/>
+            <a:ext cx="8229600" cy="6093296"/>
           </a:xfrm>
         </p:spPr>
         <p:txBody>
           <a:bodyPr>
-            <a:normAutofit lnSpcReduction="10000"/>
+            <a:normAutofit fontScale="85000" lnSpcReduction="20000"/>
           </a:bodyPr>
           <a:lstStyle/>
           <a:p>
-            <a:pPr>
-              <a:buNone/>
-            </a:pPr>
-            <a:r>
-              <a:rPr lang="en-US" dirty="0"/>
-              <a:t>class </a:t>
-            </a:r>
-            <a:r>
-              <a:rPr lang="ru-RU" dirty="0" err="1"/>
-              <a:t>имя_класса</a:t>
+            <a:r>
+              <a:rPr lang="en-US" dirty="0"/>
+              <a:t>int b;</a:t>
+            </a:r>
+            <a:r>
+              <a:rPr lang="ru-RU" dirty="0"/>
+              <a:t>  </a:t>
+            </a:r>
+            <a:r>
+              <a:rPr lang="en-US" dirty="0"/>
+              <a:t>//</a:t>
+            </a:r>
+            <a:r>
+              <a:rPr lang="ru-RU" dirty="0"/>
+              <a:t>переменная целого типа с именем </a:t>
+            </a:r>
+            <a:r>
+              <a:rPr lang="en-US" dirty="0"/>
+              <a:t>b</a:t>
+            </a:r>
+            <a:endParaRPr lang="ru-RU" dirty="0"/>
+          </a:p>
+          <a:p>
+            <a:endParaRPr lang="ru-RU" dirty="0"/>
+          </a:p>
+          <a:p>
+            <a:r>
+              <a:rPr lang="en-US" dirty="0"/>
+              <a:t>string </a:t>
+            </a:r>
+            <a:r>
+              <a:rPr lang="en-US" dirty="0" err="1"/>
+              <a:t>myString</a:t>
+            </a:r>
+            <a:r>
+              <a:rPr lang="en-US" dirty="0"/>
+              <a:t> = “Hello”; //</a:t>
+            </a:r>
+            <a:r>
+              <a:rPr lang="ru-RU" dirty="0"/>
+              <a:t>переменная строкового типа с именем </a:t>
+            </a:r>
+            <a:r>
+              <a:rPr lang="en-US" dirty="0" err="1"/>
+              <a:t>myString</a:t>
+            </a:r>
+            <a:endParaRPr lang="ru-RU" dirty="0"/>
+          </a:p>
+          <a:p>
+            <a:endParaRPr lang="ru-RU" dirty="0"/>
+          </a:p>
+          <a:p>
+            <a:pPr algn="l"/>
+            <a:r>
+              <a:rPr lang="ru-RU" b="0" i="0" dirty="0">
+                <a:effectLst/>
+                <a:latin typeface="YS Text"/>
+              </a:rPr>
+              <a:t>Переменной </a:t>
+            </a:r>
+            <a:r>
+              <a:rPr lang="en-US" dirty="0" err="1"/>
+              <a:t>myString</a:t>
             </a:r>
             <a:r>
               <a:rPr lang="en-US" dirty="0"/>
               <a:t> </a:t>
             </a:r>
-            <a:endParaRPr lang="ru-RU" dirty="0"/>
-          </a:p>
-          <a:p>
-            <a:pPr>
-              <a:buNone/>
-            </a:pPr>
-            <a:r>
-              <a:rPr lang="en-US" dirty="0"/>
-              <a:t>{ </a:t>
-            </a:r>
-            <a:endParaRPr lang="ru-RU" dirty="0"/>
-          </a:p>
-          <a:p>
-            <a:pPr>
-              <a:buNone/>
-            </a:pPr>
-            <a:r>
-              <a:rPr lang="ru-RU" dirty="0"/>
-              <a:t>	</a:t>
-            </a:r>
-            <a:r>
-              <a:rPr lang="en-US" dirty="0"/>
-              <a:t>// </a:t>
-            </a:r>
-            <a:r>
-              <a:rPr lang="ru-RU" dirty="0"/>
-              <a:t>переменные:</a:t>
-            </a:r>
-          </a:p>
-          <a:p>
-            <a:pPr>
-              <a:buNone/>
-            </a:pPr>
-            <a:r>
-              <a:rPr lang="en-US" dirty="0"/>
-              <a:t> </a:t>
-            </a:r>
-            <a:r>
-              <a:rPr lang="ru-RU" dirty="0"/>
-              <a:t>	</a:t>
-            </a:r>
-            <a:r>
-              <a:rPr lang="en-US" dirty="0"/>
-              <a:t>&lt;</a:t>
-            </a:r>
-            <a:r>
-              <a:rPr lang="ru-RU" dirty="0"/>
-              <a:t>тип</a:t>
-            </a:r>
-            <a:r>
-              <a:rPr lang="en-US" dirty="0"/>
-              <a:t>_</a:t>
-            </a:r>
-            <a:r>
-              <a:rPr lang="ru-RU" dirty="0"/>
-              <a:t>данных</a:t>
-            </a:r>
-            <a:r>
-              <a:rPr lang="en-US" dirty="0"/>
-              <a:t>&gt; </a:t>
-            </a:r>
-            <a:r>
-              <a:rPr lang="ru-RU" dirty="0"/>
-              <a:t>имя_переменной_1</a:t>
-            </a:r>
-            <a:r>
-              <a:rPr lang="en-US" dirty="0"/>
-              <a:t>; </a:t>
-            </a:r>
-            <a:endParaRPr lang="ru-RU" dirty="0"/>
-          </a:p>
-          <a:p>
-            <a:pPr>
-              <a:buNone/>
-            </a:pPr>
-            <a:r>
-              <a:rPr lang="ru-RU" dirty="0"/>
-              <a:t>	</a:t>
-            </a:r>
-            <a:r>
-              <a:rPr lang="en-US" dirty="0"/>
-              <a:t>...</a:t>
-            </a:r>
-            <a:endParaRPr lang="ru-RU" dirty="0"/>
-          </a:p>
-          <a:p>
-            <a:pPr>
-              <a:buNone/>
-            </a:pPr>
-            <a:r>
-              <a:rPr lang="ru-RU" dirty="0"/>
-              <a:t>	</a:t>
-            </a:r>
-            <a:r>
-              <a:rPr lang="en-US" dirty="0"/>
-              <a:t>&lt;</a:t>
-            </a:r>
-            <a:r>
-              <a:rPr lang="ru-RU" dirty="0"/>
-              <a:t>тип</a:t>
-            </a:r>
-            <a:r>
-              <a:rPr lang="en-US" dirty="0"/>
-              <a:t>_</a:t>
-            </a:r>
-            <a:r>
-              <a:rPr lang="ru-RU" dirty="0"/>
-              <a:t>данных</a:t>
-            </a:r>
-            <a:r>
-              <a:rPr lang="en-US" dirty="0"/>
-              <a:t>&gt; </a:t>
-            </a:r>
-            <a:r>
-              <a:rPr lang="ru-RU" dirty="0" err="1"/>
-              <a:t>имя_переменной_</a:t>
-            </a:r>
-            <a:r>
-              <a:rPr lang="en-US" dirty="0"/>
-              <a:t>N; </a:t>
-            </a:r>
-            <a:endParaRPr lang="ru-RU" dirty="0"/>
-          </a:p>
-          <a:p>
-            <a:pPr>
-              <a:buNone/>
-            </a:pPr>
-            <a:r>
-              <a:rPr lang="en-US" dirty="0"/>
-              <a:t>}</a:t>
-            </a:r>
+            <a:r>
+              <a:rPr lang="ru-RU" dirty="0"/>
+              <a:t>выше присваивается значение </a:t>
+            </a:r>
+            <a:r>
+              <a:rPr lang="en-US" dirty="0"/>
+              <a:t>“Hello”;</a:t>
+            </a:r>
+          </a:p>
+          <a:p>
+            <a:pPr algn="l"/>
+            <a:r>
+              <a:rPr lang="ru-RU" b="0" i="0" dirty="0">
+                <a:effectLst/>
+                <a:latin typeface="YS Text"/>
+              </a:rPr>
+              <a:t>Присваивание значения переменной в C# - это процесс записи значения в выделенную память для переменной. Когда вы присваиваете значение переменной, старое значение, если оно было, стирается.</a:t>
+            </a:r>
+            <a:br>
+              <a:rPr lang="ru-RU" dirty="0"/>
+            </a:br>
             <a:endParaRPr lang="ru-RU" dirty="0"/>
           </a:p>
           <a:p>
@@ -4220,28 +4257,13 @@
             <a:endParaRPr lang="en-US" dirty="0"/>
           </a:p>
           <a:p>
-            <a:r>
-              <a:rPr lang="ru-RU" dirty="0" err="1"/>
-              <a:t>имя_класса</a:t>
-            </a:r>
-            <a:r>
-              <a:rPr lang="ru-RU" dirty="0"/>
-              <a:t>, </a:t>
-            </a:r>
-            <a:r>
-              <a:rPr lang="ru-RU" dirty="0" err="1"/>
-              <a:t>имя_переменной</a:t>
-            </a:r>
-            <a:r>
-              <a:rPr lang="ru-RU" dirty="0"/>
-              <a:t> – набор латинских букв, цифр, знака подчеркивания. Начинается с латинской буквы или _</a:t>
-            </a:r>
-          </a:p>
-          <a:p>
             <a:pPr>
               <a:buNone/>
             </a:pPr>
-            <a:endParaRPr lang="ru-RU" dirty="0"/>
+            <a:r>
+              <a:rPr lang="en-US" dirty="0"/>
+              <a:t>	</a:t>
+            </a:r>
           </a:p>
         </p:txBody>
       </p:sp>
@@ -4260,7 +4282,7 @@
           <a:bodyPr/>
           <a:lstStyle/>
           <a:p>
-            <a:fld id="{194E9D9E-8475-4C3D-B07C-FDD1702DB06B}" type="slidenum">
+            <a:fld id="{9CF8D2C4-42E0-4E06-B36C-6CBFE116E881}" type="slidenum">
               <a:rPr lang="ru-RU" smtClean="0"/>
               <a:pPr/>
               <a:t>16</a:t>
@@ -4296,7 +4318,13 @@
       </p:grpSpPr>
       <p:sp>
         <p:nvSpPr>
-          <p:cNvPr id="2" name="Заголовок 1"/>
+          <p:cNvPr id="2" name="Заголовок 1">
+            <a:extLst>
+              <a:ext uri="{FF2B5EF4-FFF2-40B4-BE49-F238E27FC236}">
+                <a16:creationId xmlns:a16="http://schemas.microsoft.com/office/drawing/2014/main" id="{63B58455-8102-4A1D-9E09-DE2F12BB13D4}"/>
+              </a:ext>
+            </a:extLst>
+          </p:cNvPr>
           <p:cNvSpPr>
             <a:spLocks noGrp="1"/>
           </p:cNvSpPr>
@@ -4304,12 +4332,7 @@
             <p:ph type="title"/>
           </p:nvPr>
         </p:nvSpPr>
-        <p:spPr>
-          <a:xfrm>
-            <a:off x="0" y="0"/>
-            <a:ext cx="9144000" cy="980728"/>
-          </a:xfrm>
-        </p:spPr>
+        <p:spPr/>
         <p:txBody>
           <a:bodyPr>
             <a:normAutofit fontScale="90000"/>
@@ -4318,14 +4341,20 @@
           <a:p>
             <a:r>
               <a:rPr lang="ru-RU" dirty="0"/>
-              <a:t>Чем может быть переменная? Основные типы данных.</a:t>
-            </a:r>
-          </a:p>
-        </p:txBody>
-      </p:sp>
-      <p:sp>
-        <p:nvSpPr>
-          <p:cNvPr id="3" name="Содержимое 2"/>
+              <a:t>Примеры объявления переменных</a:t>
+            </a:r>
+          </a:p>
+        </p:txBody>
+      </p:sp>
+      <p:sp>
+        <p:nvSpPr>
+          <p:cNvPr id="3" name="Объект 2">
+            <a:extLst>
+              <a:ext uri="{FF2B5EF4-FFF2-40B4-BE49-F238E27FC236}">
+                <a16:creationId xmlns:a16="http://schemas.microsoft.com/office/drawing/2014/main" id="{44B333FB-EB58-4AD9-BC42-17C38DDED0E4}"/>
+              </a:ext>
+            </a:extLst>
+          </p:cNvPr>
           <p:cNvSpPr>
             <a:spLocks noGrp="1"/>
           </p:cNvSpPr>
@@ -4335,196 +4364,143 @@
         </p:nvSpPr>
         <p:spPr>
           <a:xfrm>
-            <a:off x="179512" y="1052736"/>
-            <a:ext cx="8784976" cy="5805264"/>
+            <a:off x="457200" y="1600200"/>
+            <a:ext cx="8229600" cy="4983162"/>
           </a:xfrm>
         </p:spPr>
         <p:txBody>
           <a:bodyPr>
-            <a:normAutofit fontScale="92500" lnSpcReduction="10000"/>
+            <a:normAutofit fontScale="92500" lnSpcReduction="20000"/>
           </a:bodyPr>
           <a:lstStyle/>
           <a:p>
             <a:r>
               <a:rPr lang="ru-RU" dirty="0"/>
-              <a:t>Встроенные типы. Из них будем использовать:</a:t>
-            </a:r>
-          </a:p>
-          <a:p>
-            <a:pPr lvl="1"/>
+              <a:t>Переменным могут быть присвоены только объекты этих же типов, если не существует преобразований:</a:t>
+            </a:r>
+          </a:p>
+          <a:p>
+            <a:endParaRPr lang="ru-RU" dirty="0"/>
+          </a:p>
+          <a:p>
+            <a:pPr>
+              <a:buNone/>
+            </a:pPr>
+            <a:r>
+              <a:rPr lang="en-US" dirty="0"/>
+              <a:t>	int a = 10;    //</a:t>
+            </a:r>
+            <a:r>
+              <a:rPr lang="ru-RU" dirty="0"/>
+              <a:t>так можно</a:t>
+            </a:r>
+          </a:p>
+          <a:p>
+            <a:pPr>
+              <a:buNone/>
+            </a:pPr>
+            <a:r>
+              <a:rPr lang="en-US" dirty="0"/>
+              <a:t>	int f = </a:t>
+            </a:r>
+            <a:r>
+              <a:rPr lang="ru-RU" dirty="0"/>
+              <a:t>(</a:t>
+            </a:r>
+            <a:r>
+              <a:rPr lang="en-US" dirty="0"/>
+              <a:t>int</a:t>
+            </a:r>
+            <a:r>
+              <a:rPr lang="ru-RU" dirty="0"/>
+              <a:t>) </a:t>
+            </a:r>
+            <a:r>
+              <a:rPr lang="en-US" dirty="0"/>
+              <a:t>1.5;   //</a:t>
+            </a:r>
+            <a:r>
+              <a:rPr lang="ru-RU" dirty="0"/>
+              <a:t>и так можно (дробное число явно преобразуется в </a:t>
+            </a:r>
+            <a:r>
+              <a:rPr lang="en-US" dirty="0"/>
+              <a:t>int)	</a:t>
+            </a:r>
+          </a:p>
+          <a:p>
+            <a:pPr>
+              <a:buNone/>
+            </a:pPr>
+            <a:r>
+              <a:rPr lang="en-US" dirty="0"/>
+              <a:t>	int d = “20”; //</a:t>
+            </a:r>
+            <a:r>
+              <a:rPr lang="ru-RU" dirty="0"/>
+              <a:t>а так нет, т.к. </a:t>
+            </a:r>
+            <a:r>
+              <a:rPr lang="en-US" dirty="0"/>
+              <a:t>“20” – </a:t>
+            </a:r>
+            <a:r>
+              <a:rPr lang="ru-RU" dirty="0"/>
+              <a:t>строковый тип данных</a:t>
+            </a:r>
+          </a:p>
+          <a:p>
+            <a:pPr>
+              <a:buNone/>
+            </a:pPr>
+            <a:r>
+              <a:rPr lang="en-US" dirty="0"/>
+              <a:t>	string </a:t>
+            </a:r>
             <a:r>
               <a:rPr lang="en-US" dirty="0" err="1"/>
+              <a:t>userName</a:t>
+            </a:r>
+            <a:r>
+              <a:rPr lang="en-US" dirty="0"/>
+              <a:t> = 10; //</a:t>
+            </a:r>
+            <a:r>
+              <a:rPr lang="ru-RU" dirty="0"/>
+              <a:t>и снова нельзя, т.к. 10 – переменная типа </a:t>
+            </a:r>
+            <a:r>
+              <a:rPr lang="en-US" dirty="0"/>
               <a:t>int</a:t>
             </a:r>
             <a:r>
-              <a:rPr lang="en-US" dirty="0"/>
-              <a:t> </a:t>
-            </a:r>
-            <a:r>
-              <a:rPr lang="ru-RU" dirty="0"/>
-              <a:t> –</a:t>
-            </a:r>
-            <a:r>
-              <a:rPr lang="en-US" dirty="0"/>
-              <a:t> </a:t>
-            </a:r>
-            <a:r>
-              <a:rPr lang="ru-RU" dirty="0"/>
-              <a:t>целое число</a:t>
-            </a:r>
-            <a:r>
-              <a:rPr lang="en-US" dirty="0"/>
-              <a:t>;</a:t>
-            </a:r>
+              <a:rPr lang="ru-RU" dirty="0"/>
+              <a:t>, а </a:t>
+            </a:r>
+            <a:r>
+              <a:rPr lang="en-US" dirty="0" err="1"/>
+              <a:t>userName</a:t>
+            </a:r>
+            <a:r>
+              <a:rPr lang="en-US" dirty="0"/>
+              <a:t> - </a:t>
+            </a:r>
+            <a:r>
+              <a:rPr lang="ru-RU" dirty="0"/>
+              <a:t>строка</a:t>
+            </a:r>
+          </a:p>
+          <a:p>
             <a:endParaRPr lang="ru-RU" dirty="0"/>
           </a:p>
-          <a:p>
-            <a:pPr lvl="1"/>
-            <a:r>
-              <a:rPr lang="en-US" dirty="0"/>
-              <a:t>double</a:t>
-            </a:r>
-            <a:r>
-              <a:rPr lang="ru-RU" dirty="0"/>
-              <a:t> – дробное число</a:t>
-            </a:r>
-            <a:r>
-              <a:rPr lang="en-US" dirty="0"/>
-              <a:t>;</a:t>
-            </a:r>
-            <a:endParaRPr lang="ru-RU" dirty="0"/>
-          </a:p>
-          <a:p>
-            <a:pPr lvl="1"/>
-            <a:r>
-              <a:rPr lang="en-US" dirty="0" err="1"/>
-              <a:t>bool</a:t>
-            </a:r>
-            <a:r>
-              <a:rPr lang="ru-RU" dirty="0"/>
-              <a:t> – логическая переменная (принимает 2 значения: </a:t>
-            </a:r>
-            <a:r>
-              <a:rPr lang="en-US" dirty="0"/>
-              <a:t>true </a:t>
-            </a:r>
-            <a:r>
-              <a:rPr lang="ru-RU" dirty="0"/>
-              <a:t>или </a:t>
-            </a:r>
-            <a:r>
-              <a:rPr lang="en-US" dirty="0"/>
-              <a:t>false</a:t>
-            </a:r>
-            <a:r>
-              <a:rPr lang="ru-RU" dirty="0"/>
-              <a:t> – истина и ложь</a:t>
-            </a:r>
-            <a:r>
-              <a:rPr lang="en-US" dirty="0"/>
-              <a:t>);</a:t>
-            </a:r>
-            <a:endParaRPr lang="ru-RU" dirty="0"/>
-          </a:p>
-          <a:p>
-            <a:pPr lvl="1"/>
-            <a:r>
-              <a:rPr lang="en-US" dirty="0"/>
-              <a:t>String – </a:t>
-            </a:r>
-            <a:r>
-              <a:rPr lang="ru-RU" dirty="0"/>
-              <a:t>строка</a:t>
-            </a:r>
-            <a:r>
-              <a:rPr lang="en-US" dirty="0"/>
-              <a:t>, </a:t>
-            </a:r>
-            <a:r>
-              <a:rPr lang="ru-RU" dirty="0"/>
-              <a:t>текст;</a:t>
-            </a:r>
-          </a:p>
-          <a:p>
-            <a:pPr lvl="1"/>
-            <a:r>
-              <a:rPr lang="en-US" dirty="0" err="1"/>
-              <a:t>DateTime</a:t>
-            </a:r>
-            <a:r>
-              <a:rPr lang="en-US" dirty="0"/>
-              <a:t> – </a:t>
-            </a:r>
-            <a:r>
-              <a:rPr lang="ru-RU" dirty="0"/>
-              <a:t>дата + время;</a:t>
-            </a:r>
-            <a:endParaRPr lang="en-US" dirty="0"/>
-          </a:p>
-          <a:p>
-            <a:pPr lvl="1"/>
-            <a:r>
-              <a:rPr lang="ru-RU" dirty="0"/>
-              <a:t>Другие классы или структуры (как пользовательские, так и встроенные).</a:t>
-            </a:r>
-            <a:endParaRPr lang="en-US" dirty="0"/>
-          </a:p>
-          <a:p>
-            <a:r>
-              <a:rPr lang="ru-RU" dirty="0"/>
-              <a:t>Если переменная содержит набор значений, то можно использовать массив или список:</a:t>
-            </a:r>
-          </a:p>
-          <a:p>
-            <a:pPr>
-              <a:buNone/>
-            </a:pPr>
-            <a:r>
-              <a:rPr lang="ru-RU" dirty="0"/>
-              <a:t>	</a:t>
-            </a:r>
-            <a:r>
-              <a:rPr lang="ru-RU" dirty="0" err="1"/>
-              <a:t>тип_данных_одного_элемента</a:t>
-            </a:r>
-            <a:r>
-              <a:rPr lang="ru-RU" dirty="0"/>
-              <a:t> </a:t>
-            </a:r>
-            <a:r>
-              <a:rPr lang="en-US" dirty="0"/>
-              <a:t>[ ]</a:t>
-            </a:r>
-          </a:p>
-          <a:p>
-            <a:pPr>
-              <a:buNone/>
-            </a:pPr>
-            <a:r>
-              <a:rPr lang="en-US" dirty="0"/>
-              <a:t>	List&lt; </a:t>
-            </a:r>
-            <a:r>
-              <a:rPr lang="ru-RU" dirty="0" err="1"/>
-              <a:t>тип_данных</a:t>
-            </a:r>
-            <a:r>
-              <a:rPr lang="en-US" dirty="0"/>
-              <a:t>_</a:t>
-            </a:r>
-            <a:r>
-              <a:rPr lang="ru-RU" dirty="0" err="1"/>
-              <a:t>одного_элемента</a:t>
-            </a:r>
-            <a:r>
-              <a:rPr lang="en-US" dirty="0"/>
-              <a:t> &gt; </a:t>
-            </a:r>
-            <a:endParaRPr lang="ru-RU" dirty="0"/>
-          </a:p>
         </p:txBody>
       </p:sp>
     </p:spTree>
+    <p:extLst>
+      <p:ext uri="{BB962C8B-B14F-4D97-AF65-F5344CB8AC3E}">
+        <p14:creationId xmlns:p14="http://schemas.microsoft.com/office/powerpoint/2010/main" val="3735455945"/>
+      </p:ext>
+    </p:extLst>
   </p:cSld>
   <p:clrMapOvr>
     <a:masterClrMapping/>
@@ -4562,7 +4538,7 @@
         <p:spPr>
           <a:xfrm>
             <a:off x="467544" y="0"/>
-            <a:ext cx="8229600" cy="1143000"/>
+            <a:ext cx="8229600" cy="836712"/>
           </a:xfrm>
         </p:spPr>
         <p:txBody>
@@ -4570,9 +4546,18 @@
           <a:lstStyle/>
           <a:p>
             <a:r>
-              <a:rPr lang="ru-RU" dirty="0"/>
-              <a:t>Задание 1 (7 мин)</a:t>
-            </a:r>
+              <a:rPr lang="ru-RU" altLang="ru-RU" dirty="0"/>
+              <a:t>Определение </a:t>
+            </a:r>
+            <a:r>
+              <a:rPr lang="ru-RU" altLang="ru-RU" u="sng" dirty="0"/>
+              <a:t>данных</a:t>
+            </a:r>
+            <a:r>
+              <a:rPr lang="ru-RU" altLang="ru-RU" dirty="0"/>
+              <a:t> класса</a:t>
+            </a:r>
+            <a:endParaRPr lang="ru-RU" dirty="0"/>
           </a:p>
         </p:txBody>
       </p:sp>
@@ -4588,46 +4573,205 @@
         </p:nvSpPr>
         <p:spPr>
           <a:xfrm>
-            <a:off x="179512" y="1124744"/>
-            <a:ext cx="8784976" cy="5544616"/>
+            <a:off x="179512" y="908720"/>
+            <a:ext cx="8784976" cy="5949280"/>
           </a:xfrm>
         </p:spPr>
         <p:txBody>
           <a:bodyPr>
-            <a:normAutofit/>
+            <a:normAutofit lnSpcReduction="10000"/>
           </a:bodyPr>
           <a:lstStyle/>
           <a:p>
-            <a:r>
-              <a:rPr lang="ru-RU" dirty="0"/>
-              <a:t>Написать классы  (без методов, только данные), реализующие следующие абстракции:</a:t>
-            </a:r>
-          </a:p>
-          <a:p>
-            <a:r>
-              <a:rPr lang="ru-RU" dirty="0"/>
-              <a:t>Преподаватель, дисциплина</a:t>
-            </a:r>
-          </a:p>
-          <a:p>
-            <a:r>
-              <a:rPr lang="ru-RU" dirty="0"/>
-              <a:t>В классе описать требуемый набор переменных (не менее 5).</a:t>
-            </a:r>
-          </a:p>
-          <a:p>
-            <a:r>
-              <a:rPr lang="ru-RU" dirty="0"/>
-              <a:t>Переменные должны отражать сущность абстракции применительно к области образования</a:t>
-            </a:r>
-            <a:r>
-              <a:rPr lang="en-US" dirty="0"/>
-              <a:t>/</a:t>
-            </a:r>
-            <a:r>
-              <a:rPr lang="ru-RU" dirty="0"/>
-              <a:t>университетским системам учета.</a:t>
-            </a:r>
+            <a:pPr>
+              <a:buNone/>
+            </a:pPr>
+            <a:r>
+              <a:rPr lang="en-US" dirty="0"/>
+              <a:t>class </a:t>
+            </a:r>
+            <a:r>
+              <a:rPr lang="ru-RU" dirty="0" err="1"/>
+              <a:t>имя_класса</a:t>
+            </a:r>
+            <a:r>
+              <a:rPr lang="en-US" dirty="0"/>
+              <a:t> </a:t>
+            </a:r>
+            <a:endParaRPr lang="ru-RU" dirty="0"/>
+          </a:p>
+          <a:p>
+            <a:pPr>
+              <a:buNone/>
+            </a:pPr>
+            <a:r>
+              <a:rPr lang="en-US" dirty="0"/>
+              <a:t>{ </a:t>
+            </a:r>
+            <a:endParaRPr lang="ru-RU" dirty="0"/>
+          </a:p>
+          <a:p>
+            <a:pPr>
+              <a:buNone/>
+            </a:pPr>
+            <a:r>
+              <a:rPr lang="ru-RU" dirty="0"/>
+              <a:t>	</a:t>
+            </a:r>
+            <a:r>
+              <a:rPr lang="en-US" dirty="0"/>
+              <a:t>// </a:t>
+            </a:r>
+            <a:r>
+              <a:rPr lang="ru-RU" dirty="0"/>
+              <a:t>переменные:</a:t>
+            </a:r>
+          </a:p>
+          <a:p>
+            <a:pPr>
+              <a:buNone/>
+            </a:pPr>
+            <a:r>
+              <a:rPr lang="en-US" dirty="0"/>
+              <a:t> </a:t>
+            </a:r>
+            <a:r>
+              <a:rPr lang="ru-RU" dirty="0"/>
+              <a:t>	</a:t>
+            </a:r>
+            <a:r>
+              <a:rPr lang="en-US" dirty="0"/>
+              <a:t>&lt;</a:t>
+            </a:r>
+            <a:r>
+              <a:rPr lang="ru-RU" dirty="0"/>
+              <a:t>тип</a:t>
+            </a:r>
+            <a:r>
+              <a:rPr lang="en-US" dirty="0"/>
+              <a:t>_</a:t>
+            </a:r>
+            <a:r>
+              <a:rPr lang="ru-RU" dirty="0"/>
+              <a:t>данных</a:t>
+            </a:r>
+            <a:r>
+              <a:rPr lang="en-US" dirty="0"/>
+              <a:t>&gt; </a:t>
+            </a:r>
+            <a:r>
+              <a:rPr lang="ru-RU" dirty="0"/>
+              <a:t>имя_переменной_1</a:t>
+            </a:r>
+            <a:r>
+              <a:rPr lang="en-US" dirty="0"/>
+              <a:t>; </a:t>
+            </a:r>
+            <a:endParaRPr lang="ru-RU" dirty="0"/>
+          </a:p>
+          <a:p>
+            <a:pPr>
+              <a:buNone/>
+            </a:pPr>
+            <a:r>
+              <a:rPr lang="ru-RU" dirty="0"/>
+              <a:t>	</a:t>
+            </a:r>
+            <a:r>
+              <a:rPr lang="en-US" dirty="0"/>
+              <a:t>...</a:t>
+            </a:r>
+            <a:endParaRPr lang="ru-RU" dirty="0"/>
+          </a:p>
+          <a:p>
+            <a:pPr>
+              <a:buNone/>
+            </a:pPr>
+            <a:r>
+              <a:rPr lang="ru-RU" dirty="0"/>
+              <a:t>	</a:t>
+            </a:r>
+            <a:r>
+              <a:rPr lang="en-US" dirty="0"/>
+              <a:t>&lt;</a:t>
+            </a:r>
+            <a:r>
+              <a:rPr lang="ru-RU" dirty="0"/>
+              <a:t>тип</a:t>
+            </a:r>
+            <a:r>
+              <a:rPr lang="en-US" dirty="0"/>
+              <a:t>_</a:t>
+            </a:r>
+            <a:r>
+              <a:rPr lang="ru-RU" dirty="0"/>
+              <a:t>данных</a:t>
+            </a:r>
+            <a:r>
+              <a:rPr lang="en-US" dirty="0"/>
+              <a:t>&gt; </a:t>
+            </a:r>
+            <a:r>
+              <a:rPr lang="ru-RU" dirty="0" err="1"/>
+              <a:t>имя_переменной_</a:t>
+            </a:r>
+            <a:r>
+              <a:rPr lang="en-US" dirty="0"/>
+              <a:t>N; </a:t>
+            </a:r>
+            <a:endParaRPr lang="ru-RU" dirty="0"/>
+          </a:p>
+          <a:p>
+            <a:pPr>
+              <a:buNone/>
+            </a:pPr>
+            <a:r>
+              <a:rPr lang="en-US" dirty="0"/>
+              <a:t>}</a:t>
+            </a:r>
+            <a:endParaRPr lang="ru-RU" dirty="0"/>
+          </a:p>
+          <a:p>
+            <a:pPr>
+              <a:buNone/>
+            </a:pPr>
+            <a:endParaRPr lang="en-US" dirty="0"/>
+          </a:p>
+          <a:p>
+            <a:r>
+              <a:rPr lang="ru-RU" dirty="0"/>
+              <a:t>Имя класса и переменных: набор латинских букв, цифр, знака подчеркивания. Начинается с латинской буквы или _</a:t>
+            </a:r>
+          </a:p>
+          <a:p>
+            <a:pPr>
+              <a:buNone/>
+            </a:pPr>
+            <a:endParaRPr lang="ru-RU" dirty="0"/>
+          </a:p>
+        </p:txBody>
+      </p:sp>
+      <p:sp>
+        <p:nvSpPr>
+          <p:cNvPr id="4" name="Номер слайда 3"/>
+          <p:cNvSpPr>
+            <a:spLocks noGrp="1"/>
+          </p:cNvSpPr>
+          <p:nvPr>
+            <p:ph type="sldNum" sz="quarter" idx="12"/>
+          </p:nvPr>
+        </p:nvSpPr>
+        <p:spPr/>
+        <p:txBody>
+          <a:bodyPr/>
+          <a:lstStyle/>
+          <a:p>
+            <a:fld id="{194E9D9E-8475-4C3D-B07C-FDD1702DB06B}" type="slidenum">
+              <a:rPr lang="ru-RU" smtClean="0"/>
+              <a:pPr/>
+              <a:t>18</a:t>
+            </a:fld>
+            <a:endParaRPr lang="ru-RU"/>
           </a:p>
         </p:txBody>
       </p:sp>
@@ -4658,7 +4802,13 @@
       </p:grpSpPr>
       <p:sp>
         <p:nvSpPr>
-          <p:cNvPr id="2" name="Заголовок 1"/>
+          <p:cNvPr id="2" name="Заголовок 1">
+            <a:extLst>
+              <a:ext uri="{FF2B5EF4-FFF2-40B4-BE49-F238E27FC236}">
+                <a16:creationId xmlns:a16="http://schemas.microsoft.com/office/drawing/2014/main" id="{FF080D26-CE4B-408E-90BC-A23BC247D260}"/>
+              </a:ext>
+            </a:extLst>
+          </p:cNvPr>
           <p:cNvSpPr>
             <a:spLocks noGrp="1"/>
           </p:cNvSpPr>
@@ -4666,35 +4816,27 @@
             <p:ph type="title"/>
           </p:nvPr>
         </p:nvSpPr>
-        <p:spPr>
-          <a:xfrm>
-            <a:off x="395536" y="0"/>
-            <a:ext cx="8229600" cy="1143000"/>
-          </a:xfrm>
-        </p:spPr>
+        <p:spPr/>
         <p:txBody>
           <a:bodyPr/>
           <a:lstStyle/>
           <a:p>
             <a:r>
-              <a:rPr lang="ru-RU" altLang="ru-RU" dirty="0"/>
-              <a:t>Определение </a:t>
-            </a:r>
-            <a:r>
-              <a:rPr lang="ru-RU" altLang="ru-RU" u="sng" dirty="0"/>
-              <a:t>данных</a:t>
-            </a:r>
-            <a:r>
-              <a:rPr lang="ru-RU" altLang="ru-RU" dirty="0"/>
-              <a:t> класса</a:t>
-            </a:r>
-            <a:endParaRPr lang="ru-RU" dirty="0"/>
-          </a:p>
-        </p:txBody>
-      </p:sp>
-      <p:sp>
-        <p:nvSpPr>
-          <p:cNvPr id="3" name="Содержимое 2"/>
+              <a:rPr lang="ru-RU" dirty="0"/>
+              <a:t>Пример</a:t>
+            </a:r>
+          </a:p>
+        </p:txBody>
+      </p:sp>
+      <p:sp>
+        <p:nvSpPr>
+          <p:cNvPr id="3" name="Объект 2">
+            <a:extLst>
+              <a:ext uri="{FF2B5EF4-FFF2-40B4-BE49-F238E27FC236}">
+                <a16:creationId xmlns:a16="http://schemas.microsoft.com/office/drawing/2014/main" id="{99E90C19-48DB-447B-8430-006B66987F9B}"/>
+              </a:ext>
+            </a:extLst>
+          </p:cNvPr>
           <p:cNvSpPr>
             <a:spLocks noGrp="1"/>
           </p:cNvSpPr>
@@ -4702,51 +4844,376 @@
             <p:ph idx="1"/>
           </p:nvPr>
         </p:nvSpPr>
-        <p:spPr>
-          <a:xfrm>
-            <a:off x="179512" y="1124744"/>
-            <a:ext cx="8784976" cy="5472608"/>
-          </a:xfrm>
-        </p:spPr>
+        <p:spPr/>
         <p:txBody>
           <a:bodyPr>
             <a:normAutofit/>
           </a:bodyPr>
           <a:lstStyle/>
           <a:p>
-            <a:r>
-              <a:rPr lang="ru-RU" dirty="0"/>
-              <a:t>Возможны ситуации, когда необходимо ограничить доступ к некоторым данным объекта, оставив доступ только к публичной части класса (не только для сокрытия данных, но и для защиты от изменений)</a:t>
-            </a:r>
-          </a:p>
-          <a:p>
-            <a:r>
-              <a:rPr lang="ru-RU" dirty="0"/>
-              <a:t>Для этих целей служит «модификатор доступа»</a:t>
-            </a:r>
-          </a:p>
-          <a:p>
-            <a:r>
-              <a:rPr lang="ru-RU" dirty="0"/>
-              <a:t>Модификатор может применяться к объявлению класса (</a:t>
-            </a:r>
-            <a:r>
-              <a:rPr lang="en-US" dirty="0"/>
-              <a:t>internal, public)</a:t>
-            </a:r>
-            <a:r>
-              <a:rPr lang="ru-RU" dirty="0"/>
-              <a:t>, либо отдельных элементов класса</a:t>
-            </a:r>
-            <a:r>
-              <a:rPr lang="en-US" dirty="0"/>
-              <a:t> ( private, public, internal, protected )</a:t>
+            <a:pPr marL="0" indent="0">
+              <a:buNone/>
+            </a:pPr>
+            <a:r>
+              <a:rPr lang="en-US" dirty="0"/>
+              <a:t>class Book</a:t>
+            </a:r>
+          </a:p>
+          <a:p>
+            <a:pPr marL="0" indent="0">
+              <a:buNone/>
+            </a:pPr>
+            <a:r>
+              <a:rPr lang="en-US" dirty="0"/>
+              <a:t>{</a:t>
+            </a:r>
+          </a:p>
+          <a:p>
+            <a:pPr marL="0" marR="0" lvl="0" indent="0" algn="l" defTabSz="914400" rtl="0" eaLnBrk="0" fontAlgn="base" latinLnBrk="0" hangingPunct="0">
+              <a:lnSpc>
+                <a:spcPct val="100000"/>
+              </a:lnSpc>
+              <a:spcBef>
+                <a:spcPct val="0"/>
+              </a:spcBef>
+              <a:spcAft>
+                <a:spcPct val="0"/>
+              </a:spcAft>
+              <a:buClrTx/>
+              <a:buSzTx/>
+              <a:buFontTx/>
+              <a:buNone/>
+              <a:tabLst/>
+            </a:pPr>
+            <a:r>
+              <a:rPr lang="en-US" sz="3200" dirty="0">
+                <a:latin typeface="Arial Unicode MS" pitchFamily="34" charset="-128"/>
+                <a:cs typeface="Arial" pitchFamily="34" charset="0"/>
+              </a:rPr>
+              <a:t>    </a:t>
+            </a:r>
+            <a:r>
+              <a:rPr kumimoji="0" lang="ru-RU" sz="3200" b="0" i="0" u="none" strike="noStrike" cap="none" normalizeH="0" baseline="0" dirty="0" err="1">
+                <a:ln>
+                  <a:noFill/>
+                </a:ln>
+                <a:solidFill>
+                  <a:schemeClr val="tx1"/>
+                </a:solidFill>
+                <a:effectLst/>
+                <a:latin typeface="Arial Unicode MS" pitchFamily="34" charset="-128"/>
+                <a:cs typeface="Arial" pitchFamily="34" charset="0"/>
+              </a:rPr>
+              <a:t>string</a:t>
+            </a:r>
+            <a:r>
+              <a:rPr kumimoji="0" lang="ru-RU" b="0" i="0" u="none" strike="noStrike" cap="none" normalizeH="0" baseline="0" dirty="0">
+                <a:ln>
+                  <a:noFill/>
+                </a:ln>
+                <a:solidFill>
+                  <a:schemeClr val="tx1"/>
+                </a:solidFill>
+                <a:effectLst/>
+                <a:latin typeface="Arial" pitchFamily="34" charset="0"/>
+                <a:cs typeface="Arial" pitchFamily="34" charset="0"/>
+              </a:rPr>
+              <a:t> </a:t>
+            </a:r>
+            <a:r>
+              <a:rPr kumimoji="0" lang="ru-RU" sz="3200" b="0" i="0" u="none" strike="noStrike" cap="none" normalizeH="0" baseline="0" dirty="0" err="1">
+                <a:ln>
+                  <a:noFill/>
+                </a:ln>
+                <a:solidFill>
+                  <a:schemeClr val="tx1"/>
+                </a:solidFill>
+                <a:effectLst/>
+                <a:latin typeface="Arial Unicode MS" pitchFamily="34" charset="-128"/>
+                <a:cs typeface="Arial" pitchFamily="34" charset="0"/>
+              </a:rPr>
+              <a:t>name</a:t>
+            </a:r>
+            <a:r>
+              <a:rPr kumimoji="0" lang="ru-RU" sz="3200" b="0" i="0" u="none" strike="noStrike" cap="none" normalizeH="0" baseline="0" dirty="0">
+                <a:ln>
+                  <a:noFill/>
+                </a:ln>
+                <a:solidFill>
+                  <a:schemeClr val="tx1"/>
+                </a:solidFill>
+                <a:effectLst/>
+                <a:latin typeface="Arial Unicode MS" pitchFamily="34" charset="-128"/>
+                <a:cs typeface="Arial" pitchFamily="34" charset="0"/>
+              </a:rPr>
+              <a:t>;</a:t>
+            </a:r>
+            <a:r>
+              <a:rPr kumimoji="0" lang="en-US" sz="3200" b="0" i="0" u="none" strike="noStrike" cap="none" normalizeH="0" baseline="0" dirty="0">
+                <a:ln>
+                  <a:noFill/>
+                </a:ln>
+                <a:solidFill>
+                  <a:schemeClr val="tx1"/>
+                </a:solidFill>
+                <a:effectLst/>
+                <a:latin typeface="Arial Unicode MS" pitchFamily="34" charset="-128"/>
+                <a:cs typeface="Arial" pitchFamily="34" charset="0"/>
+              </a:rPr>
+              <a:t>	    //</a:t>
+            </a:r>
+            <a:r>
+              <a:rPr kumimoji="0" lang="ru-RU" sz="3200" b="0" i="0" u="none" strike="noStrike" cap="none" normalizeH="0" baseline="0" dirty="0">
+                <a:ln>
+                  <a:noFill/>
+                </a:ln>
+                <a:solidFill>
+                  <a:schemeClr val="tx1"/>
+                </a:solidFill>
+                <a:effectLst/>
+                <a:latin typeface="Arial Unicode MS" pitchFamily="34" charset="-128"/>
+                <a:cs typeface="Arial" pitchFamily="34" charset="0"/>
+              </a:rPr>
+              <a:t>название</a:t>
+            </a:r>
+            <a:r>
+              <a:rPr kumimoji="0" lang="ru-RU" sz="3200" b="0" i="0" u="none" strike="noStrike" cap="none" normalizeH="0" dirty="0">
+                <a:ln>
+                  <a:noFill/>
+                </a:ln>
+                <a:solidFill>
+                  <a:schemeClr val="tx1"/>
+                </a:solidFill>
+                <a:effectLst/>
+                <a:latin typeface="Arial Unicode MS" pitchFamily="34" charset="-128"/>
+                <a:cs typeface="Arial" pitchFamily="34" charset="0"/>
+              </a:rPr>
+              <a:t> книги</a:t>
+            </a:r>
+            <a:endParaRPr kumimoji="0" lang="ru-RU" b="0" i="0" u="none" strike="noStrike" cap="none" normalizeH="0" baseline="0" dirty="0">
+              <a:ln>
+                <a:noFill/>
+              </a:ln>
+              <a:solidFill>
+                <a:schemeClr val="tx1"/>
+              </a:solidFill>
+              <a:effectLst/>
+              <a:latin typeface="Arial" pitchFamily="34" charset="0"/>
+              <a:cs typeface="Arial" pitchFamily="34" charset="0"/>
+            </a:endParaRPr>
+          </a:p>
+          <a:p>
+            <a:pPr marL="0" marR="0" lvl="0" indent="0" algn="l" defTabSz="914400" rtl="0" eaLnBrk="0" fontAlgn="base" latinLnBrk="0" hangingPunct="0">
+              <a:lnSpc>
+                <a:spcPct val="100000"/>
+              </a:lnSpc>
+              <a:spcBef>
+                <a:spcPct val="0"/>
+              </a:spcBef>
+              <a:spcAft>
+                <a:spcPct val="0"/>
+              </a:spcAft>
+              <a:buClrTx/>
+              <a:buSzTx/>
+              <a:buFontTx/>
+              <a:buNone/>
+              <a:tabLst/>
+            </a:pPr>
+            <a:r>
+              <a:rPr lang="ru-RU" sz="3200" dirty="0">
+                <a:latin typeface="Arial Unicode MS" pitchFamily="34" charset="-128"/>
+                <a:cs typeface="Arial" pitchFamily="34" charset="0"/>
+              </a:rPr>
+              <a:t>    </a:t>
+            </a:r>
+            <a:r>
+              <a:rPr lang="en-US" sz="3200" dirty="0">
+                <a:latin typeface="Arial Unicode MS" pitchFamily="34" charset="-128"/>
+                <a:cs typeface="Arial" pitchFamily="34" charset="0"/>
+              </a:rPr>
+              <a:t>string content;  //</a:t>
+            </a:r>
+            <a:r>
+              <a:rPr lang="ru-RU" sz="3200" dirty="0">
+                <a:latin typeface="Arial Unicode MS" pitchFamily="34" charset="-128"/>
+                <a:cs typeface="Arial" pitchFamily="34" charset="0"/>
+              </a:rPr>
+              <a:t>содержание</a:t>
+            </a:r>
+            <a:endParaRPr kumimoji="0" lang="ru-RU" b="0" i="0" u="none" strike="noStrike" cap="none" normalizeH="0" baseline="0" dirty="0">
+              <a:ln>
+                <a:noFill/>
+              </a:ln>
+              <a:solidFill>
+                <a:schemeClr val="tx1"/>
+              </a:solidFill>
+              <a:effectLst/>
+              <a:latin typeface="Arial" pitchFamily="34" charset="0"/>
+              <a:cs typeface="Arial" pitchFamily="34" charset="0"/>
+            </a:endParaRPr>
+          </a:p>
+          <a:p>
+            <a:pPr marL="0" marR="0" lvl="0" indent="0" algn="l" defTabSz="914400" rtl="0" eaLnBrk="0" fontAlgn="base" latinLnBrk="0" hangingPunct="0">
+              <a:lnSpc>
+                <a:spcPct val="100000"/>
+              </a:lnSpc>
+              <a:spcBef>
+                <a:spcPct val="0"/>
+              </a:spcBef>
+              <a:spcAft>
+                <a:spcPct val="0"/>
+              </a:spcAft>
+              <a:buClrTx/>
+              <a:buSzTx/>
+              <a:buFontTx/>
+              <a:buNone/>
+              <a:tabLst/>
+            </a:pPr>
+            <a:r>
+              <a:rPr kumimoji="0" lang="ru-RU" sz="3200" b="0" i="0" u="none" strike="noStrike" cap="none" normalizeH="0" baseline="0" dirty="0">
+                <a:ln>
+                  <a:noFill/>
+                </a:ln>
+                <a:solidFill>
+                  <a:schemeClr val="tx1"/>
+                </a:solidFill>
+                <a:effectLst/>
+                <a:latin typeface="Arial Unicode MS" pitchFamily="34" charset="-128"/>
+                <a:cs typeface="Arial" pitchFamily="34" charset="0"/>
+              </a:rPr>
+              <a:t>    </a:t>
+            </a:r>
+            <a:r>
+              <a:rPr kumimoji="0" lang="ru-RU" sz="3200" b="0" i="0" u="none" strike="noStrike" cap="none" normalizeH="0" baseline="0" dirty="0" err="1">
+                <a:ln>
+                  <a:noFill/>
+                </a:ln>
+                <a:solidFill>
+                  <a:schemeClr val="tx1"/>
+                </a:solidFill>
+                <a:effectLst/>
+                <a:latin typeface="Arial Unicode MS" pitchFamily="34" charset="-128"/>
+                <a:cs typeface="Arial" pitchFamily="34" charset="0"/>
+              </a:rPr>
+              <a:t>int</a:t>
+            </a:r>
+            <a:r>
+              <a:rPr kumimoji="0" lang="ru-RU" b="0" i="0" u="none" strike="noStrike" cap="none" normalizeH="0" baseline="0" dirty="0">
+                <a:ln>
+                  <a:noFill/>
+                </a:ln>
+                <a:solidFill>
+                  <a:schemeClr val="tx1"/>
+                </a:solidFill>
+                <a:effectLst/>
+                <a:latin typeface="Arial" pitchFamily="34" charset="0"/>
+                <a:cs typeface="Arial" pitchFamily="34" charset="0"/>
+              </a:rPr>
+              <a:t> </a:t>
+            </a:r>
+            <a:r>
+              <a:rPr kumimoji="0" lang="en-US" b="0" i="0" u="none" strike="noStrike" cap="none" normalizeH="0" baseline="0" dirty="0">
+                <a:ln>
+                  <a:noFill/>
+                </a:ln>
+                <a:solidFill>
+                  <a:schemeClr val="tx1"/>
+                </a:solidFill>
+                <a:effectLst/>
+                <a:latin typeface="Arial" pitchFamily="34" charset="0"/>
+                <a:cs typeface="Arial" pitchFamily="34" charset="0"/>
+              </a:rPr>
+              <a:t>  </a:t>
+            </a:r>
+            <a:r>
+              <a:rPr kumimoji="0" lang="ru-RU" sz="3200" b="0" i="0" u="none" strike="noStrike" cap="none" normalizeH="0" baseline="0" dirty="0" err="1">
+                <a:ln>
+                  <a:noFill/>
+                </a:ln>
+                <a:solidFill>
+                  <a:schemeClr val="tx1"/>
+                </a:solidFill>
+                <a:effectLst/>
+                <a:latin typeface="Arial Unicode MS" pitchFamily="34" charset="-128"/>
+                <a:cs typeface="Arial" pitchFamily="34" charset="0"/>
+              </a:rPr>
+              <a:t>year</a:t>
+            </a:r>
+            <a:r>
+              <a:rPr kumimoji="0" lang="ru-RU" sz="3200" b="0" i="0" u="none" strike="noStrike" cap="none" normalizeH="0" baseline="0" dirty="0">
+                <a:ln>
+                  <a:noFill/>
+                </a:ln>
+                <a:solidFill>
+                  <a:schemeClr val="tx1"/>
+                </a:solidFill>
+                <a:effectLst/>
+                <a:latin typeface="Arial Unicode MS" pitchFamily="34" charset="-128"/>
+                <a:cs typeface="Arial" pitchFamily="34" charset="0"/>
+              </a:rPr>
+              <a:t>;</a:t>
+            </a:r>
+            <a:r>
+              <a:rPr lang="ru-RU" sz="3200" dirty="0">
+                <a:latin typeface="Arial Unicode MS" pitchFamily="34" charset="-128"/>
+                <a:cs typeface="Arial" pitchFamily="34" charset="0"/>
+              </a:rPr>
+              <a:t>	</a:t>
+            </a:r>
+            <a:r>
+              <a:rPr lang="en-US" sz="3200" dirty="0">
+                <a:latin typeface="Arial Unicode MS" pitchFamily="34" charset="-128"/>
+                <a:cs typeface="Arial" pitchFamily="34" charset="0"/>
+              </a:rPr>
+              <a:t>    </a:t>
+            </a:r>
+            <a:r>
+              <a:rPr kumimoji="0" lang="en-US" sz="3200" b="0" i="0" u="none" strike="noStrike" cap="none" normalizeH="0" baseline="0" dirty="0">
+                <a:ln>
+                  <a:noFill/>
+                </a:ln>
+                <a:solidFill>
+                  <a:schemeClr val="tx1"/>
+                </a:solidFill>
+                <a:effectLst/>
+                <a:latin typeface="Arial Unicode MS" pitchFamily="34" charset="-128"/>
+                <a:cs typeface="Arial" pitchFamily="34" charset="0"/>
+              </a:rPr>
+              <a:t>//</a:t>
+            </a:r>
+            <a:r>
+              <a:rPr kumimoji="0" lang="ru-RU" sz="3200" b="0" i="0" u="none" strike="noStrike" cap="none" normalizeH="0" baseline="0" dirty="0">
+                <a:ln>
+                  <a:noFill/>
+                </a:ln>
+                <a:solidFill>
+                  <a:schemeClr val="tx1"/>
+                </a:solidFill>
+                <a:effectLst/>
+                <a:latin typeface="Arial Unicode MS" pitchFamily="34" charset="-128"/>
+                <a:cs typeface="Arial" pitchFamily="34" charset="0"/>
+              </a:rPr>
+              <a:t>год издания</a:t>
+            </a:r>
+          </a:p>
+          <a:p>
+            <a:pPr marL="0" indent="0">
+              <a:buNone/>
+            </a:pPr>
+            <a:r>
+              <a:rPr lang="en-US" dirty="0"/>
+              <a:t>}</a:t>
             </a:r>
             <a:endParaRPr lang="ru-RU" dirty="0"/>
           </a:p>
         </p:txBody>
       </p:sp>
     </p:spTree>
+    <p:extLst>
+      <p:ext uri="{BB962C8B-B14F-4D97-AF65-F5344CB8AC3E}">
+        <p14:creationId xmlns:p14="http://schemas.microsoft.com/office/powerpoint/2010/main" val="2365510191"/>
+      </p:ext>
+    </p:extLst>
   </p:cSld>
   <p:clrMapOvr>
     <a:masterClrMapping/>
@@ -4773,7 +5240,13 @@
       </p:grpSpPr>
       <p:sp>
         <p:nvSpPr>
-          <p:cNvPr id="2" name="Заголовок 1"/>
+          <p:cNvPr id="2" name="Заголовок 1">
+            <a:extLst>
+              <a:ext uri="{FF2B5EF4-FFF2-40B4-BE49-F238E27FC236}">
+                <a16:creationId xmlns:a16="http://schemas.microsoft.com/office/drawing/2014/main" id="{6617A9F5-A8A1-4940-A6B1-7910830EB087}"/>
+              </a:ext>
+            </a:extLst>
+          </p:cNvPr>
           <p:cNvSpPr>
             <a:spLocks noGrp="1"/>
           </p:cNvSpPr>
@@ -4781,26 +5254,27 @@
             <p:ph type="title"/>
           </p:nvPr>
         </p:nvSpPr>
-        <p:spPr>
-          <a:xfrm>
-            <a:off x="467544" y="0"/>
-            <a:ext cx="8229600" cy="908720"/>
-          </a:xfrm>
-        </p:spPr>
+        <p:spPr/>
         <p:txBody>
           <a:bodyPr/>
           <a:lstStyle/>
           <a:p>
             <a:r>
               <a:rPr lang="ru-RU" dirty="0"/>
-              <a:t>Структура курса. Лекции</a:t>
-            </a:r>
-          </a:p>
-        </p:txBody>
-      </p:sp>
-      <p:sp>
-        <p:nvSpPr>
-          <p:cNvPr id="3" name="Содержимое 2"/>
+              <a:t>Структура курса.</a:t>
+            </a:r>
+          </a:p>
+        </p:txBody>
+      </p:sp>
+      <p:sp>
+        <p:nvSpPr>
+          <p:cNvPr id="3" name="Объект 2">
+            <a:extLst>
+              <a:ext uri="{FF2B5EF4-FFF2-40B4-BE49-F238E27FC236}">
+                <a16:creationId xmlns:a16="http://schemas.microsoft.com/office/drawing/2014/main" id="{188C455E-B9FC-4787-BC89-CC54A5D5E814}"/>
+              </a:ext>
+            </a:extLst>
+          </p:cNvPr>
           <p:cNvSpPr>
             <a:spLocks noGrp="1"/>
           </p:cNvSpPr>
@@ -4808,151 +5282,37 @@
             <p:ph idx="1"/>
           </p:nvPr>
         </p:nvSpPr>
-        <p:spPr>
-          <a:xfrm>
-            <a:off x="179512" y="980728"/>
-            <a:ext cx="8784976" cy="5877272"/>
-          </a:xfrm>
-        </p:spPr>
-        <p:txBody>
-          <a:bodyPr>
-            <a:normAutofit fontScale="92500" lnSpcReduction="10000"/>
-          </a:bodyPr>
-          <a:lstStyle/>
-          <a:p>
-            <a:r>
-              <a:rPr lang="ru-RU" dirty="0"/>
-              <a:t>Содержание: </a:t>
-            </a:r>
-          </a:p>
-          <a:p>
-            <a:pPr lvl="1"/>
-            <a:r>
-              <a:rPr lang="ru-RU" dirty="0"/>
-              <a:t>Понятие класса, наследование, полиморфизм, статические классы, перегрузка операторов</a:t>
-            </a:r>
-          </a:p>
-          <a:p>
-            <a:pPr lvl="1"/>
-            <a:r>
-              <a:rPr lang="ru-RU" dirty="0"/>
-              <a:t>Интерфейсы</a:t>
-            </a:r>
-          </a:p>
-          <a:p>
-            <a:pPr lvl="1"/>
-            <a:r>
-              <a:rPr lang="ru-RU" dirty="0"/>
-              <a:t>Универсальный (обобщенные, </a:t>
-            </a:r>
-            <a:r>
-              <a:rPr lang="en-US" dirty="0"/>
-              <a:t>generic</a:t>
-            </a:r>
-            <a:r>
-              <a:rPr lang="ru-RU" dirty="0"/>
-              <a:t>, шаблонные)  типы</a:t>
-            </a:r>
-          </a:p>
-          <a:p>
-            <a:pPr lvl="1"/>
-            <a:r>
-              <a:rPr lang="ru-RU" dirty="0"/>
-              <a:t>Хранение данных, массивы, коллекции</a:t>
-            </a:r>
-          </a:p>
-          <a:p>
-            <a:pPr lvl="1"/>
-            <a:r>
-              <a:rPr lang="ru-RU" dirty="0"/>
-              <a:t>Язык запросов </a:t>
-            </a:r>
-            <a:r>
-              <a:rPr lang="en-US" dirty="0"/>
-              <a:t>LINQ</a:t>
+        <p:spPr/>
+        <p:txBody>
+          <a:bodyPr/>
+          <a:lstStyle/>
+          <a:p>
+            <a:r>
+              <a:rPr lang="ru-RU" dirty="0"/>
+              <a:t>9 (10 у ПИБ-32у) лекций </a:t>
+            </a:r>
+          </a:p>
+          <a:p>
+            <a:r>
+              <a:rPr lang="ru-RU" dirty="0"/>
+              <a:t>9 (11) лабораторных</a:t>
+            </a:r>
+          </a:p>
+          <a:p>
+            <a:r>
+              <a:rPr lang="ru-RU"/>
+              <a:t>зачет</a:t>
             </a:r>
             <a:endParaRPr lang="ru-RU" dirty="0"/>
           </a:p>
-          <a:p>
-            <a:pPr lvl="1"/>
-            <a:r>
-              <a:rPr lang="ru-RU" dirty="0"/>
-              <a:t>Делегаты, события, лямбда выражения</a:t>
-            </a:r>
-          </a:p>
-          <a:p>
-            <a:pPr lvl="1"/>
-            <a:r>
-              <a:rPr lang="ru-RU" dirty="0"/>
-              <a:t>Обработка ошибок, исключения</a:t>
-            </a:r>
-          </a:p>
-          <a:p>
-            <a:pPr lvl="1"/>
-            <a:r>
-              <a:rPr lang="ru-RU" dirty="0"/>
-              <a:t>Хранение данных в </a:t>
-            </a:r>
-            <a:r>
-              <a:rPr lang="en-US" dirty="0"/>
-              <a:t>.NET, c</a:t>
-            </a:r>
-            <a:r>
-              <a:rPr lang="ru-RU" dirty="0"/>
-              <a:t>борка мусора</a:t>
-            </a:r>
-            <a:r>
-              <a:rPr lang="en-US" dirty="0"/>
-              <a:t>, </a:t>
-            </a:r>
-            <a:r>
-              <a:rPr lang="ru-RU" dirty="0" err="1"/>
-              <a:t>финализаторы</a:t>
-            </a:r>
-            <a:r>
-              <a:rPr lang="ru-RU" dirty="0"/>
-              <a:t>, </a:t>
-            </a:r>
-            <a:r>
-              <a:rPr lang="en-US" dirty="0" err="1"/>
-              <a:t>IDisposable</a:t>
-            </a:r>
-            <a:endParaRPr lang="en-US" dirty="0"/>
-          </a:p>
-          <a:p>
-            <a:pPr lvl="1"/>
-            <a:r>
-              <a:rPr lang="ru-RU" dirty="0"/>
-              <a:t>Регулярные выражения</a:t>
-            </a:r>
-          </a:p>
-        </p:txBody>
-      </p:sp>
-      <p:sp>
-        <p:nvSpPr>
-          <p:cNvPr id="4" name="Номер слайда 3"/>
-          <p:cNvSpPr>
-            <a:spLocks noGrp="1"/>
-          </p:cNvSpPr>
-          <p:nvPr>
-            <p:ph type="sldNum" sz="quarter" idx="12"/>
-          </p:nvPr>
-        </p:nvSpPr>
-        <p:spPr/>
-        <p:txBody>
-          <a:bodyPr/>
-          <a:lstStyle/>
-          <a:p>
-            <a:fld id="{194E9D9E-8475-4C3D-B07C-FDD1702DB06B}" type="slidenum">
-              <a:rPr lang="ru-RU" smtClean="0"/>
-              <a:pPr/>
-              <a:t>2</a:t>
-            </a:fld>
-            <a:endParaRPr lang="ru-RU"/>
-          </a:p>
         </p:txBody>
       </p:sp>
     </p:spTree>
+    <p:extLst>
+      <p:ext uri="{BB962C8B-B14F-4D97-AF65-F5344CB8AC3E}">
+        <p14:creationId xmlns:p14="http://schemas.microsoft.com/office/powerpoint/2010/main" val="2070659562"/>
+      </p:ext>
+    </p:extLst>
   </p:cSld>
   <p:clrMapOvr>
     <a:masterClrMapping/>
@@ -4999,6 +5359,222 @@
           <a:p>
             <a:r>
               <a:rPr lang="ru-RU" dirty="0"/>
+              <a:t>Задание 1 (7 мин)</a:t>
+            </a:r>
+          </a:p>
+        </p:txBody>
+      </p:sp>
+      <p:sp>
+        <p:nvSpPr>
+          <p:cNvPr id="3" name="Содержимое 2"/>
+          <p:cNvSpPr>
+            <a:spLocks noGrp="1"/>
+          </p:cNvSpPr>
+          <p:nvPr>
+            <p:ph idx="1"/>
+          </p:nvPr>
+        </p:nvSpPr>
+        <p:spPr>
+          <a:xfrm>
+            <a:off x="179512" y="1124744"/>
+            <a:ext cx="8784976" cy="5544616"/>
+          </a:xfrm>
+        </p:spPr>
+        <p:txBody>
+          <a:bodyPr>
+            <a:normAutofit/>
+          </a:bodyPr>
+          <a:lstStyle/>
+          <a:p>
+            <a:r>
+              <a:rPr lang="ru-RU" dirty="0"/>
+              <a:t>Написать классы  (без методов, только данные), реализующие следующие абстракции:</a:t>
+            </a:r>
+          </a:p>
+          <a:p>
+            <a:r>
+              <a:rPr lang="ru-RU" dirty="0"/>
+              <a:t>Преподаватель, дисциплина</a:t>
+            </a:r>
+          </a:p>
+          <a:p>
+            <a:r>
+              <a:rPr lang="ru-RU" dirty="0"/>
+              <a:t>В классе описать требуемый набор переменных (не менее 5).</a:t>
+            </a:r>
+          </a:p>
+          <a:p>
+            <a:r>
+              <a:rPr lang="ru-RU" dirty="0"/>
+              <a:t>Переменные должны отражать сущность абстракции применительно к области образования</a:t>
+            </a:r>
+            <a:r>
+              <a:rPr lang="en-US" dirty="0"/>
+              <a:t>/</a:t>
+            </a:r>
+            <a:r>
+              <a:rPr lang="ru-RU" dirty="0"/>
+              <a:t>университетским системам учета.</a:t>
+            </a:r>
+          </a:p>
+        </p:txBody>
+      </p:sp>
+    </p:spTree>
+  </p:cSld>
+  <p:clrMapOvr>
+    <a:masterClrMapping/>
+  </p:clrMapOvr>
+</p:sld>
+</file>
+
+<file path=ppt/slides/slide21.xml><?xml version="1.0" encoding="utf-8"?>
+<p:sld xmlns:a="http://schemas.openxmlformats.org/drawingml/2006/main" xmlns:r="http://schemas.openxmlformats.org/officeDocument/2006/relationships" xmlns:p="http://schemas.openxmlformats.org/presentationml/2006/main">
+  <p:cSld>
+    <p:spTree>
+      <p:nvGrpSpPr>
+        <p:cNvPr id="1" name=""/>
+        <p:cNvGrpSpPr/>
+        <p:nvPr/>
+      </p:nvGrpSpPr>
+      <p:grpSpPr>
+        <a:xfrm>
+          <a:off x="0" y="0"/>
+          <a:ext cx="0" cy="0"/>
+          <a:chOff x="0" y="0"/>
+          <a:chExt cx="0" cy="0"/>
+        </a:xfrm>
+      </p:grpSpPr>
+      <p:sp>
+        <p:nvSpPr>
+          <p:cNvPr id="2" name="Заголовок 1"/>
+          <p:cNvSpPr>
+            <a:spLocks noGrp="1"/>
+          </p:cNvSpPr>
+          <p:nvPr>
+            <p:ph type="title"/>
+          </p:nvPr>
+        </p:nvSpPr>
+        <p:spPr>
+          <a:xfrm>
+            <a:off x="395536" y="0"/>
+            <a:ext cx="8229600" cy="1143000"/>
+          </a:xfrm>
+        </p:spPr>
+        <p:txBody>
+          <a:bodyPr>
+            <a:normAutofit fontScale="90000"/>
+          </a:bodyPr>
+          <a:lstStyle/>
+          <a:p>
+            <a:r>
+              <a:rPr lang="ru-RU" altLang="ru-RU" dirty="0"/>
+              <a:t>Ограничение доступа к данным класса</a:t>
+            </a:r>
+            <a:endParaRPr lang="ru-RU" dirty="0"/>
+          </a:p>
+        </p:txBody>
+      </p:sp>
+      <p:sp>
+        <p:nvSpPr>
+          <p:cNvPr id="3" name="Содержимое 2"/>
+          <p:cNvSpPr>
+            <a:spLocks noGrp="1"/>
+          </p:cNvSpPr>
+          <p:nvPr>
+            <p:ph idx="1"/>
+          </p:nvPr>
+        </p:nvSpPr>
+        <p:spPr>
+          <a:xfrm>
+            <a:off x="179512" y="1124744"/>
+            <a:ext cx="8784976" cy="5472608"/>
+          </a:xfrm>
+        </p:spPr>
+        <p:txBody>
+          <a:bodyPr>
+            <a:normAutofit/>
+          </a:bodyPr>
+          <a:lstStyle/>
+          <a:p>
+            <a:r>
+              <a:rPr lang="ru-RU" dirty="0"/>
+              <a:t>Возможны ситуации, когда необходимо ограничить доступ к некоторым данным объекта, оставив доступ только к публичной части класса (не только для сокрытия данных, но и для защиты от изменений)</a:t>
+            </a:r>
+          </a:p>
+          <a:p>
+            <a:r>
+              <a:rPr lang="ru-RU" dirty="0"/>
+              <a:t>Для этих целей служит «модификатор доступа»</a:t>
+            </a:r>
+          </a:p>
+          <a:p>
+            <a:r>
+              <a:rPr lang="ru-RU" dirty="0"/>
+              <a:t>Модификатор может применяться к объявлению класса (</a:t>
+            </a:r>
+            <a:r>
+              <a:rPr lang="en-US" dirty="0"/>
+              <a:t>internal, public)</a:t>
+            </a:r>
+            <a:r>
+              <a:rPr lang="ru-RU" dirty="0"/>
+              <a:t>, либо отдельных элементов класса</a:t>
+            </a:r>
+            <a:r>
+              <a:rPr lang="en-US" dirty="0"/>
+              <a:t> ( private, public, internal, protected )</a:t>
+            </a:r>
+            <a:endParaRPr lang="ru-RU" dirty="0"/>
+          </a:p>
+        </p:txBody>
+      </p:sp>
+    </p:spTree>
+  </p:cSld>
+  <p:clrMapOvr>
+    <a:masterClrMapping/>
+  </p:clrMapOvr>
+</p:sld>
+</file>
+
+<file path=ppt/slides/slide22.xml><?xml version="1.0" encoding="utf-8"?>
+<p:sld xmlns:a="http://schemas.openxmlformats.org/drawingml/2006/main" xmlns:r="http://schemas.openxmlformats.org/officeDocument/2006/relationships" xmlns:p="http://schemas.openxmlformats.org/presentationml/2006/main">
+  <p:cSld>
+    <p:spTree>
+      <p:nvGrpSpPr>
+        <p:cNvPr id="1" name=""/>
+        <p:cNvGrpSpPr/>
+        <p:nvPr/>
+      </p:nvGrpSpPr>
+      <p:grpSpPr>
+        <a:xfrm>
+          <a:off x="0" y="0"/>
+          <a:ext cx="0" cy="0"/>
+          <a:chOff x="0" y="0"/>
+          <a:chExt cx="0" cy="0"/>
+        </a:xfrm>
+      </p:grpSpPr>
+      <p:sp>
+        <p:nvSpPr>
+          <p:cNvPr id="2" name="Заголовок 1"/>
+          <p:cNvSpPr>
+            <a:spLocks noGrp="1"/>
+          </p:cNvSpPr>
+          <p:nvPr>
+            <p:ph type="title"/>
+          </p:nvPr>
+        </p:nvSpPr>
+        <p:spPr>
+          <a:xfrm>
+            <a:off x="467544" y="0"/>
+            <a:ext cx="8229600" cy="1143000"/>
+          </a:xfrm>
+        </p:spPr>
+        <p:txBody>
+          <a:bodyPr/>
+          <a:lstStyle/>
+          <a:p>
+            <a:r>
+              <a:rPr lang="ru-RU" dirty="0"/>
               <a:t>Модификатор доступа</a:t>
             </a:r>
           </a:p>
@@ -5170,7 +5746,7 @@
             </a:r>
             <a:r>
               <a:rPr lang="ru-RU" sz="2400" dirty="0"/>
-              <a:t>в последующих лекциях</a:t>
+              <a:t>в следующих лекциях.</a:t>
             </a:r>
             <a:endParaRPr lang="en-US" sz="2400" dirty="0"/>
           </a:p>
@@ -5192,22 +5768,6 @@
             </a:pPr>
             <a:r>
               <a:rPr lang="ru-RU" sz="2400" dirty="0"/>
-              <a:t>рекомендуется все переменные объявлять приватными </a:t>
-            </a:r>
-            <a:r>
-              <a:rPr lang="en-US" sz="2400" dirty="0"/>
-              <a:t>(private)</a:t>
-            </a:r>
-          </a:p>
-          <a:p>
-            <a:pPr>
-              <a:spcBef>
-                <a:spcPts val="0"/>
-              </a:spcBef>
-              <a:defRPr/>
-            </a:pPr>
-            <a:r>
-              <a:rPr lang="ru-RU" sz="2400" dirty="0"/>
               <a:t>если модификатор не указан, он принимается равным </a:t>
             </a:r>
             <a:r>
@@ -5234,6 +5794,636 @@
         </p:txBody>
       </p:sp>
     </p:spTree>
+  </p:cSld>
+  <p:clrMapOvr>
+    <a:masterClrMapping/>
+  </p:clrMapOvr>
+</p:sld>
+</file>
+
+<file path=ppt/slides/slide23.xml><?xml version="1.0" encoding="utf-8"?>
+<p:sld xmlns:a="http://schemas.openxmlformats.org/drawingml/2006/main" xmlns:r="http://schemas.openxmlformats.org/officeDocument/2006/relationships" xmlns:p="http://schemas.openxmlformats.org/presentationml/2006/main">
+  <p:cSld>
+    <p:spTree>
+      <p:nvGrpSpPr>
+        <p:cNvPr id="1" name=""/>
+        <p:cNvGrpSpPr/>
+        <p:nvPr/>
+      </p:nvGrpSpPr>
+      <p:grpSpPr>
+        <a:xfrm>
+          <a:off x="0" y="0"/>
+          <a:ext cx="0" cy="0"/>
+          <a:chOff x="0" y="0"/>
+          <a:chExt cx="0" cy="0"/>
+        </a:xfrm>
+      </p:grpSpPr>
+      <p:sp>
+        <p:nvSpPr>
+          <p:cNvPr id="2" name="Заголовок 1">
+            <a:extLst>
+              <a:ext uri="{FF2B5EF4-FFF2-40B4-BE49-F238E27FC236}">
+                <a16:creationId xmlns:a16="http://schemas.microsoft.com/office/drawing/2014/main" id="{D6B4A247-7675-4193-8FF5-A8B9A2B9441C}"/>
+              </a:ext>
+            </a:extLst>
+          </p:cNvPr>
+          <p:cNvSpPr>
+            <a:spLocks noGrp="1"/>
+          </p:cNvSpPr>
+          <p:nvPr>
+            <p:ph type="title"/>
+          </p:nvPr>
+        </p:nvSpPr>
+        <p:spPr/>
+        <p:txBody>
+          <a:bodyPr/>
+          <a:lstStyle/>
+          <a:p>
+            <a:r>
+              <a:rPr lang="ru-RU" dirty="0"/>
+              <a:t>Пример</a:t>
+            </a:r>
+          </a:p>
+        </p:txBody>
+      </p:sp>
+      <p:sp>
+        <p:nvSpPr>
+          <p:cNvPr id="3" name="Объект 2">
+            <a:extLst>
+              <a:ext uri="{FF2B5EF4-FFF2-40B4-BE49-F238E27FC236}">
+                <a16:creationId xmlns:a16="http://schemas.microsoft.com/office/drawing/2014/main" id="{9FE447CB-4A8A-477F-AE61-FBABCB6F0691}"/>
+              </a:ext>
+            </a:extLst>
+          </p:cNvPr>
+          <p:cNvSpPr>
+            <a:spLocks noGrp="1"/>
+          </p:cNvSpPr>
+          <p:nvPr>
+            <p:ph idx="1"/>
+          </p:nvPr>
+        </p:nvSpPr>
+        <p:spPr/>
+        <p:txBody>
+          <a:bodyPr/>
+          <a:lstStyle/>
+          <a:p>
+            <a:pPr marL="0" indent="0">
+              <a:buNone/>
+            </a:pPr>
+            <a:r>
+              <a:rPr lang="en-US" dirty="0"/>
+              <a:t>class Book</a:t>
+            </a:r>
+          </a:p>
+          <a:p>
+            <a:pPr marL="0" indent="0">
+              <a:buNone/>
+            </a:pPr>
+            <a:r>
+              <a:rPr lang="en-US" dirty="0"/>
+              <a:t>{</a:t>
+            </a:r>
+          </a:p>
+          <a:p>
+            <a:pPr marL="0" marR="0" lvl="0" indent="0" algn="l" defTabSz="914400" rtl="0" eaLnBrk="0" fontAlgn="base" latinLnBrk="0" hangingPunct="0">
+              <a:lnSpc>
+                <a:spcPct val="100000"/>
+              </a:lnSpc>
+              <a:spcBef>
+                <a:spcPct val="0"/>
+              </a:spcBef>
+              <a:spcAft>
+                <a:spcPct val="0"/>
+              </a:spcAft>
+              <a:buClrTx/>
+              <a:buSzTx/>
+              <a:buFontTx/>
+              <a:buNone/>
+              <a:tabLst/>
+            </a:pPr>
+            <a:r>
+              <a:rPr lang="en-US" sz="3200" dirty="0">
+                <a:latin typeface="Arial Unicode MS" pitchFamily="34" charset="-128"/>
+                <a:cs typeface="Arial" pitchFamily="34" charset="0"/>
+              </a:rPr>
+              <a:t>    </a:t>
+            </a:r>
+            <a:r>
+              <a:rPr lang="en-US" dirty="0">
+                <a:latin typeface="Arial Unicode MS" pitchFamily="34" charset="-128"/>
+                <a:cs typeface="Arial" pitchFamily="34" charset="0"/>
+              </a:rPr>
+              <a:t>public </a:t>
+            </a:r>
+            <a:r>
+              <a:rPr kumimoji="0" lang="ru-RU" sz="3200" b="0" i="0" u="none" strike="noStrike" cap="none" normalizeH="0" baseline="0" dirty="0" err="1">
+                <a:ln>
+                  <a:noFill/>
+                </a:ln>
+                <a:solidFill>
+                  <a:schemeClr val="tx1"/>
+                </a:solidFill>
+                <a:effectLst/>
+                <a:latin typeface="Arial Unicode MS" pitchFamily="34" charset="-128"/>
+                <a:cs typeface="Arial" pitchFamily="34" charset="0"/>
+              </a:rPr>
+              <a:t>string</a:t>
+            </a:r>
+            <a:r>
+              <a:rPr kumimoji="0" lang="ru-RU" b="0" i="0" u="none" strike="noStrike" cap="none" normalizeH="0" baseline="0" dirty="0">
+                <a:ln>
+                  <a:noFill/>
+                </a:ln>
+                <a:solidFill>
+                  <a:schemeClr val="tx1"/>
+                </a:solidFill>
+                <a:effectLst/>
+                <a:latin typeface="Arial" pitchFamily="34" charset="0"/>
+                <a:cs typeface="Arial" pitchFamily="34" charset="0"/>
+              </a:rPr>
+              <a:t> </a:t>
+            </a:r>
+            <a:r>
+              <a:rPr kumimoji="0" lang="ru-RU" sz="3200" b="0" i="0" u="none" strike="noStrike" cap="none" normalizeH="0" baseline="0" dirty="0" err="1">
+                <a:ln>
+                  <a:noFill/>
+                </a:ln>
+                <a:solidFill>
+                  <a:schemeClr val="tx1"/>
+                </a:solidFill>
+                <a:effectLst/>
+                <a:latin typeface="Arial Unicode MS" pitchFamily="34" charset="-128"/>
+                <a:cs typeface="Arial" pitchFamily="34" charset="0"/>
+              </a:rPr>
+              <a:t>name</a:t>
+            </a:r>
+            <a:r>
+              <a:rPr kumimoji="0" lang="ru-RU" sz="3200" b="0" i="0" u="none" strike="noStrike" cap="none" normalizeH="0" baseline="0" dirty="0">
+                <a:ln>
+                  <a:noFill/>
+                </a:ln>
+                <a:solidFill>
+                  <a:schemeClr val="tx1"/>
+                </a:solidFill>
+                <a:effectLst/>
+                <a:latin typeface="Arial Unicode MS" pitchFamily="34" charset="-128"/>
+                <a:cs typeface="Arial" pitchFamily="34" charset="0"/>
+              </a:rPr>
+              <a:t>;</a:t>
+            </a:r>
+            <a:r>
+              <a:rPr kumimoji="0" lang="en-US" sz="3200" b="0" i="0" u="none" strike="noStrike" cap="none" normalizeH="0" baseline="0" dirty="0">
+                <a:ln>
+                  <a:noFill/>
+                </a:ln>
+                <a:solidFill>
+                  <a:schemeClr val="tx1"/>
+                </a:solidFill>
+                <a:effectLst/>
+                <a:latin typeface="Arial Unicode MS" pitchFamily="34" charset="-128"/>
+                <a:cs typeface="Arial" pitchFamily="34" charset="0"/>
+              </a:rPr>
+              <a:t> //</a:t>
+            </a:r>
+            <a:r>
+              <a:rPr kumimoji="0" lang="ru-RU" sz="3200" b="0" i="0" u="none" strike="noStrike" cap="none" normalizeH="0" baseline="0" dirty="0">
+                <a:ln>
+                  <a:noFill/>
+                </a:ln>
+                <a:solidFill>
+                  <a:schemeClr val="tx1"/>
+                </a:solidFill>
+                <a:effectLst/>
+                <a:latin typeface="Arial Unicode MS" pitchFamily="34" charset="-128"/>
+                <a:cs typeface="Arial" pitchFamily="34" charset="0"/>
+              </a:rPr>
+              <a:t>название</a:t>
+            </a:r>
+            <a:r>
+              <a:rPr kumimoji="0" lang="ru-RU" sz="3200" b="0" i="0" u="none" strike="noStrike" cap="none" normalizeH="0" dirty="0">
+                <a:ln>
+                  <a:noFill/>
+                </a:ln>
+                <a:solidFill>
+                  <a:schemeClr val="tx1"/>
+                </a:solidFill>
+                <a:effectLst/>
+                <a:latin typeface="Arial Unicode MS" pitchFamily="34" charset="-128"/>
+                <a:cs typeface="Arial" pitchFamily="34" charset="0"/>
+              </a:rPr>
+              <a:t> книги</a:t>
+            </a:r>
+            <a:endParaRPr kumimoji="0" lang="ru-RU" b="0" i="0" u="none" strike="noStrike" cap="none" normalizeH="0" baseline="0" dirty="0">
+              <a:ln>
+                <a:noFill/>
+              </a:ln>
+              <a:solidFill>
+                <a:schemeClr val="tx1"/>
+              </a:solidFill>
+              <a:effectLst/>
+              <a:latin typeface="Arial" pitchFamily="34" charset="0"/>
+              <a:cs typeface="Arial" pitchFamily="34" charset="0"/>
+            </a:endParaRPr>
+          </a:p>
+          <a:p>
+            <a:pPr marL="0" marR="0" lvl="0" indent="0" algn="l" defTabSz="914400" rtl="0" eaLnBrk="0" fontAlgn="base" latinLnBrk="0" hangingPunct="0">
+              <a:lnSpc>
+                <a:spcPct val="100000"/>
+              </a:lnSpc>
+              <a:spcBef>
+                <a:spcPct val="0"/>
+              </a:spcBef>
+              <a:spcAft>
+                <a:spcPct val="0"/>
+              </a:spcAft>
+              <a:buClrTx/>
+              <a:buSzTx/>
+              <a:buFontTx/>
+              <a:buNone/>
+              <a:tabLst/>
+            </a:pPr>
+            <a:r>
+              <a:rPr lang="ru-RU" sz="3200" dirty="0">
+                <a:latin typeface="Arial Unicode MS" pitchFamily="34" charset="-128"/>
+                <a:cs typeface="Arial" pitchFamily="34" charset="0"/>
+              </a:rPr>
+              <a:t>    </a:t>
+            </a:r>
+            <a:r>
+              <a:rPr lang="en-US" sz="3200" dirty="0">
+                <a:latin typeface="Arial Unicode MS" pitchFamily="34" charset="-128"/>
+                <a:cs typeface="Arial" pitchFamily="34" charset="0"/>
+              </a:rPr>
+              <a:t>public string content;  //</a:t>
+            </a:r>
+            <a:r>
+              <a:rPr lang="ru-RU" sz="3200" dirty="0">
+                <a:latin typeface="Arial Unicode MS" pitchFamily="34" charset="-128"/>
+                <a:cs typeface="Arial" pitchFamily="34" charset="0"/>
+              </a:rPr>
+              <a:t>содержание</a:t>
+            </a:r>
+            <a:endParaRPr kumimoji="0" lang="ru-RU" b="0" i="0" u="none" strike="noStrike" cap="none" normalizeH="0" baseline="0" dirty="0">
+              <a:ln>
+                <a:noFill/>
+              </a:ln>
+              <a:solidFill>
+                <a:schemeClr val="tx1"/>
+              </a:solidFill>
+              <a:effectLst/>
+              <a:latin typeface="Arial" pitchFamily="34" charset="0"/>
+              <a:cs typeface="Arial" pitchFamily="34" charset="0"/>
+            </a:endParaRPr>
+          </a:p>
+          <a:p>
+            <a:pPr marL="0" marR="0" lvl="0" indent="0" algn="l" defTabSz="914400" rtl="0" eaLnBrk="0" fontAlgn="base" latinLnBrk="0" hangingPunct="0">
+              <a:lnSpc>
+                <a:spcPct val="100000"/>
+              </a:lnSpc>
+              <a:spcBef>
+                <a:spcPct val="0"/>
+              </a:spcBef>
+              <a:spcAft>
+                <a:spcPct val="0"/>
+              </a:spcAft>
+              <a:buClrTx/>
+              <a:buSzTx/>
+              <a:buFontTx/>
+              <a:buNone/>
+              <a:tabLst/>
+            </a:pPr>
+            <a:r>
+              <a:rPr kumimoji="0" lang="ru-RU" sz="3200" b="0" i="0" u="none" strike="noStrike" cap="none" normalizeH="0" baseline="0" dirty="0">
+                <a:ln>
+                  <a:noFill/>
+                </a:ln>
+                <a:solidFill>
+                  <a:schemeClr val="tx1"/>
+                </a:solidFill>
+                <a:effectLst/>
+                <a:latin typeface="Arial Unicode MS" pitchFamily="34" charset="-128"/>
+                <a:cs typeface="Arial" pitchFamily="34" charset="0"/>
+              </a:rPr>
+              <a:t>    </a:t>
+            </a:r>
+            <a:r>
+              <a:rPr kumimoji="0" lang="en-US" sz="3200" b="0" i="0" u="none" strike="noStrike" cap="none" normalizeH="0" baseline="0" dirty="0">
+                <a:ln>
+                  <a:noFill/>
+                </a:ln>
+                <a:solidFill>
+                  <a:schemeClr val="tx1"/>
+                </a:solidFill>
+                <a:effectLst/>
+                <a:latin typeface="Arial Unicode MS" pitchFamily="34" charset="-128"/>
+                <a:cs typeface="Arial" pitchFamily="34" charset="0"/>
+              </a:rPr>
+              <a:t>private </a:t>
+            </a:r>
+            <a:r>
+              <a:rPr kumimoji="0" lang="ru-RU" sz="3200" b="0" i="0" u="none" strike="noStrike" cap="none" normalizeH="0" baseline="0" dirty="0" err="1">
+                <a:ln>
+                  <a:noFill/>
+                </a:ln>
+                <a:solidFill>
+                  <a:schemeClr val="tx1"/>
+                </a:solidFill>
+                <a:effectLst/>
+                <a:latin typeface="Arial Unicode MS" pitchFamily="34" charset="-128"/>
+                <a:cs typeface="Arial" pitchFamily="34" charset="0"/>
+              </a:rPr>
+              <a:t>int</a:t>
+            </a:r>
+            <a:r>
+              <a:rPr kumimoji="0" lang="ru-RU" b="0" i="0" u="none" strike="noStrike" cap="none" normalizeH="0" baseline="0" dirty="0">
+                <a:ln>
+                  <a:noFill/>
+                </a:ln>
+                <a:solidFill>
+                  <a:schemeClr val="tx1"/>
+                </a:solidFill>
+                <a:effectLst/>
+                <a:latin typeface="Arial" pitchFamily="34" charset="0"/>
+                <a:cs typeface="Arial" pitchFamily="34" charset="0"/>
+              </a:rPr>
+              <a:t> </a:t>
+            </a:r>
+            <a:r>
+              <a:rPr kumimoji="0" lang="en-US" b="0" i="0" u="none" strike="noStrike" cap="none" normalizeH="0" baseline="0" dirty="0">
+                <a:ln>
+                  <a:noFill/>
+                </a:ln>
+                <a:solidFill>
+                  <a:schemeClr val="tx1"/>
+                </a:solidFill>
+                <a:effectLst/>
+                <a:latin typeface="Arial" pitchFamily="34" charset="0"/>
+                <a:cs typeface="Arial" pitchFamily="34" charset="0"/>
+              </a:rPr>
+              <a:t>  </a:t>
+            </a:r>
+            <a:r>
+              <a:rPr kumimoji="0" lang="ru-RU" sz="3200" b="0" i="0" u="none" strike="noStrike" cap="none" normalizeH="0" baseline="0" dirty="0" err="1">
+                <a:ln>
+                  <a:noFill/>
+                </a:ln>
+                <a:solidFill>
+                  <a:schemeClr val="tx1"/>
+                </a:solidFill>
+                <a:effectLst/>
+                <a:latin typeface="Arial Unicode MS" pitchFamily="34" charset="-128"/>
+                <a:cs typeface="Arial" pitchFamily="34" charset="0"/>
+              </a:rPr>
+              <a:t>year</a:t>
+            </a:r>
+            <a:r>
+              <a:rPr kumimoji="0" lang="ru-RU" sz="3200" b="0" i="0" u="none" strike="noStrike" cap="none" normalizeH="0" baseline="0" dirty="0">
+                <a:ln>
+                  <a:noFill/>
+                </a:ln>
+                <a:solidFill>
+                  <a:schemeClr val="tx1"/>
+                </a:solidFill>
+                <a:effectLst/>
+                <a:latin typeface="Arial Unicode MS" pitchFamily="34" charset="-128"/>
+                <a:cs typeface="Arial" pitchFamily="34" charset="0"/>
+              </a:rPr>
+              <a:t>;</a:t>
+            </a:r>
+            <a:r>
+              <a:rPr lang="en-US" sz="3200" dirty="0">
+                <a:latin typeface="Arial Unicode MS" pitchFamily="34" charset="-128"/>
+                <a:cs typeface="Arial" pitchFamily="34" charset="0"/>
+              </a:rPr>
+              <a:t>    </a:t>
+            </a:r>
+            <a:r>
+              <a:rPr kumimoji="0" lang="en-US" sz="3200" b="0" i="0" u="none" strike="noStrike" cap="none" normalizeH="0" baseline="0" dirty="0">
+                <a:ln>
+                  <a:noFill/>
+                </a:ln>
+                <a:solidFill>
+                  <a:schemeClr val="tx1"/>
+                </a:solidFill>
+                <a:effectLst/>
+                <a:latin typeface="Arial Unicode MS" pitchFamily="34" charset="-128"/>
+                <a:cs typeface="Arial" pitchFamily="34" charset="0"/>
+              </a:rPr>
+              <a:t>//</a:t>
+            </a:r>
+            <a:r>
+              <a:rPr kumimoji="0" lang="ru-RU" sz="3200" b="0" i="0" u="none" strike="noStrike" cap="none" normalizeH="0" baseline="0" dirty="0">
+                <a:ln>
+                  <a:noFill/>
+                </a:ln>
+                <a:solidFill>
+                  <a:schemeClr val="tx1"/>
+                </a:solidFill>
+                <a:effectLst/>
+                <a:latin typeface="Arial Unicode MS" pitchFamily="34" charset="-128"/>
+                <a:cs typeface="Arial" pitchFamily="34" charset="0"/>
+              </a:rPr>
+              <a:t>год издания, поле закрыто и работа с ним извне невозможна</a:t>
+            </a:r>
+          </a:p>
+          <a:p>
+            <a:pPr marL="0" indent="0">
+              <a:buNone/>
+            </a:pPr>
+            <a:r>
+              <a:rPr lang="en-US" dirty="0"/>
+              <a:t>}</a:t>
+            </a:r>
+            <a:endParaRPr lang="ru-RU" dirty="0"/>
+          </a:p>
+          <a:p>
+            <a:pPr marL="0" indent="0">
+              <a:buNone/>
+            </a:pPr>
+            <a:endParaRPr lang="ru-RU" dirty="0"/>
+          </a:p>
+        </p:txBody>
+      </p:sp>
+    </p:spTree>
+    <p:extLst>
+      <p:ext uri="{BB962C8B-B14F-4D97-AF65-F5344CB8AC3E}">
+        <p14:creationId xmlns:p14="http://schemas.microsoft.com/office/powerpoint/2010/main" val="734038980"/>
+      </p:ext>
+    </p:extLst>
+  </p:cSld>
+  <p:clrMapOvr>
+    <a:masterClrMapping/>
+  </p:clrMapOvr>
+</p:sld>
+</file>
+
+<file path=ppt/slides/slide24.xml><?xml version="1.0" encoding="utf-8"?>
+<p:sld xmlns:a="http://schemas.openxmlformats.org/drawingml/2006/main" xmlns:r="http://schemas.openxmlformats.org/officeDocument/2006/relationships" xmlns:p="http://schemas.openxmlformats.org/presentationml/2006/main">
+  <p:cSld>
+    <p:spTree>
+      <p:nvGrpSpPr>
+        <p:cNvPr id="1" name=""/>
+        <p:cNvGrpSpPr/>
+        <p:nvPr/>
+      </p:nvGrpSpPr>
+      <p:grpSpPr>
+        <a:xfrm>
+          <a:off x="0" y="0"/>
+          <a:ext cx="0" cy="0"/>
+          <a:chOff x="0" y="0"/>
+          <a:chExt cx="0" cy="0"/>
+        </a:xfrm>
+      </p:grpSpPr>
+      <p:sp>
+        <p:nvSpPr>
+          <p:cNvPr id="2" name="Заголовок 1">
+            <a:extLst>
+              <a:ext uri="{FF2B5EF4-FFF2-40B4-BE49-F238E27FC236}">
+                <a16:creationId xmlns:a16="http://schemas.microsoft.com/office/drawing/2014/main" id="{607D5689-B6BC-43FA-8F03-875B16C2ED7E}"/>
+              </a:ext>
+            </a:extLst>
+          </p:cNvPr>
+          <p:cNvSpPr>
+            <a:spLocks noGrp="1"/>
+          </p:cNvSpPr>
+          <p:nvPr>
+            <p:ph type="title"/>
+          </p:nvPr>
+        </p:nvSpPr>
+        <p:spPr>
+          <a:xfrm>
+            <a:off x="0" y="274638"/>
+            <a:ext cx="9036496" cy="1143000"/>
+          </a:xfrm>
+        </p:spPr>
+        <p:txBody>
+          <a:bodyPr>
+            <a:noAutofit/>
+          </a:bodyPr>
+          <a:lstStyle/>
+          <a:p>
+            <a:r>
+              <a:rPr lang="ru-RU" sz="3600" dirty="0"/>
+              <a:t>Пример создания объекта и работы с ним</a:t>
+            </a:r>
+          </a:p>
+        </p:txBody>
+      </p:sp>
+      <p:sp>
+        <p:nvSpPr>
+          <p:cNvPr id="3" name="Объект 2">
+            <a:extLst>
+              <a:ext uri="{FF2B5EF4-FFF2-40B4-BE49-F238E27FC236}">
+                <a16:creationId xmlns:a16="http://schemas.microsoft.com/office/drawing/2014/main" id="{63505CAE-65A3-4F66-9EB7-E7F0C91CDD51}"/>
+              </a:ext>
+            </a:extLst>
+          </p:cNvPr>
+          <p:cNvSpPr>
+            <a:spLocks noGrp="1"/>
+          </p:cNvSpPr>
+          <p:nvPr>
+            <p:ph idx="1"/>
+          </p:nvPr>
+        </p:nvSpPr>
+        <p:spPr/>
+        <p:txBody>
+          <a:bodyPr/>
+          <a:lstStyle/>
+          <a:p>
+            <a:pPr marL="0" indent="0">
+              <a:buNone/>
+            </a:pPr>
+            <a:r>
+              <a:rPr lang="en-US" dirty="0"/>
+              <a:t>Book b = new Book();</a:t>
+            </a:r>
+          </a:p>
+          <a:p>
+            <a:pPr marL="0" indent="0">
+              <a:buNone/>
+            </a:pPr>
+            <a:r>
+              <a:rPr lang="en-US" dirty="0"/>
+              <a:t>b.name = </a:t>
+            </a:r>
+            <a:r>
+              <a:rPr lang="ru-RU" dirty="0"/>
+              <a:t>"Война и мир";</a:t>
+            </a:r>
+          </a:p>
+          <a:p>
+            <a:pPr marL="0" indent="0">
+              <a:buNone/>
+            </a:pPr>
+            <a:r>
+              <a:rPr lang="en-US" dirty="0" err="1"/>
+              <a:t>b.content</a:t>
+            </a:r>
+            <a:r>
+              <a:rPr lang="en-US" dirty="0"/>
+              <a:t> = </a:t>
+            </a:r>
+            <a:r>
+              <a:rPr lang="ru-RU" dirty="0"/>
+              <a:t>"</a:t>
+            </a:r>
+            <a:r>
+              <a:rPr lang="fr-FR" b="0" i="0" dirty="0">
+                <a:solidFill>
+                  <a:srgbClr val="000000"/>
+                </a:solidFill>
+                <a:effectLst/>
+                <a:latin typeface="Times New Roman" panose="02020603050405020304" pitchFamily="18" charset="0"/>
+              </a:rPr>
+              <a:t>Eh bien, mon prince. Gênes et Lucques </a:t>
+            </a:r>
+            <a:r>
+              <a:rPr lang="ru-RU" dirty="0">
+                <a:solidFill>
+                  <a:srgbClr val="000000"/>
+                </a:solidFill>
+                <a:latin typeface="Times New Roman" panose="02020603050405020304" pitchFamily="18" charset="0"/>
+              </a:rPr>
+              <a:t>…</a:t>
+            </a:r>
+            <a:r>
+              <a:rPr lang="ru-RU" dirty="0"/>
+              <a:t>";</a:t>
+            </a:r>
+          </a:p>
+          <a:p>
+            <a:pPr marL="0" indent="0">
+              <a:buNone/>
+            </a:pPr>
+            <a:r>
+              <a:rPr lang="en-US" dirty="0" err="1"/>
+              <a:t>b.year</a:t>
+            </a:r>
+            <a:r>
+              <a:rPr lang="en-US" dirty="0"/>
+              <a:t> = 2023; //</a:t>
+            </a:r>
+            <a:r>
+              <a:rPr lang="ru-RU" dirty="0"/>
+              <a:t> здесь ошибка</a:t>
+            </a:r>
+            <a:r>
+              <a:rPr lang="en-US" dirty="0"/>
+              <a:t>, </a:t>
+            </a:r>
+            <a:r>
+              <a:rPr lang="ru-RU" dirty="0"/>
+              <a:t>т.к. поле объявлено приватным</a:t>
+            </a:r>
+          </a:p>
+        </p:txBody>
+      </p:sp>
+    </p:spTree>
+    <p:extLst>
+      <p:ext uri="{BB962C8B-B14F-4D97-AF65-F5344CB8AC3E}">
+        <p14:creationId xmlns:p14="http://schemas.microsoft.com/office/powerpoint/2010/main" val="2668319476"/>
+      </p:ext>
+    </p:extLst>
   </p:cSld>
   <p:clrMapOvr>
     <a:masterClrMapping/>
@@ -5270,19 +6460,17 @@
         </p:nvSpPr>
         <p:spPr>
           <a:xfrm>
-            <a:off x="0" y="0"/>
-            <a:ext cx="9144000" cy="1143000"/>
+            <a:off x="467544" y="0"/>
+            <a:ext cx="8229600" cy="908720"/>
           </a:xfrm>
         </p:spPr>
         <p:txBody>
-          <a:bodyPr>
-            <a:normAutofit fontScale="90000"/>
-          </a:bodyPr>
-          <a:lstStyle/>
-          <a:p>
-            <a:r>
-              <a:rPr lang="ru-RU" dirty="0"/>
-              <a:t>Структура курса. Лабораторные работы</a:t>
+          <a:bodyPr/>
+          <a:lstStyle/>
+          <a:p>
+            <a:r>
+              <a:rPr lang="ru-RU" dirty="0"/>
+              <a:t>Структура курса. Лекции</a:t>
             </a:r>
           </a:p>
         </p:txBody>
@@ -5299,39 +6487,145 @@
         </p:nvSpPr>
         <p:spPr>
           <a:xfrm>
-            <a:off x="179512" y="1123528"/>
-            <a:ext cx="8784976" cy="5257800"/>
+            <a:off x="179512" y="980728"/>
+            <a:ext cx="8784976" cy="5877272"/>
           </a:xfrm>
         </p:spPr>
         <p:txBody>
           <a:bodyPr>
-            <a:normAutofit/>
+            <a:normAutofit fontScale="92500" lnSpcReduction="10000"/>
           </a:bodyPr>
           <a:lstStyle/>
           <a:p>
-            <a:pPr lvl="0"/>
-            <a:r>
-              <a:rPr lang="ru-RU" dirty="0"/>
-              <a:t>Каждая работа из 2-х частей – базовая + дополнительная</a:t>
-            </a:r>
-          </a:p>
-          <a:p>
-            <a:pPr lvl="0"/>
-            <a:r>
-              <a:rPr lang="ru-RU" dirty="0"/>
-              <a:t>Учитывается срок сдачи, следование единому </a:t>
-            </a:r>
-            <a:r>
-              <a:rPr lang="ru-RU"/>
-              <a:t>стилю кода</a:t>
+            <a:r>
+              <a:rPr lang="ru-RU" dirty="0"/>
+              <a:t>Содержание: </a:t>
+            </a:r>
+          </a:p>
+          <a:p>
+            <a:pPr lvl="1"/>
+            <a:r>
+              <a:rPr lang="ru-RU" dirty="0"/>
+              <a:t>Понятие класса, наследование, полиморфизм, статические классы, перегрузка операторов</a:t>
+            </a:r>
+          </a:p>
+          <a:p>
+            <a:pPr lvl="1"/>
+            <a:r>
+              <a:rPr lang="ru-RU" dirty="0"/>
+              <a:t>Интерфейсы</a:t>
+            </a:r>
+          </a:p>
+          <a:p>
+            <a:pPr lvl="1"/>
+            <a:r>
+              <a:rPr lang="ru-RU" dirty="0"/>
+              <a:t>Универсальный (обобщенные, </a:t>
+            </a:r>
+            <a:r>
+              <a:rPr lang="en-US" dirty="0"/>
+              <a:t>generic</a:t>
+            </a:r>
+            <a:r>
+              <a:rPr lang="ru-RU" dirty="0"/>
+              <a:t>, шаблонные)  типы</a:t>
+            </a:r>
+          </a:p>
+          <a:p>
+            <a:pPr lvl="1"/>
+            <a:r>
+              <a:rPr lang="ru-RU" dirty="0"/>
+              <a:t>Хранение данных, массивы, коллекции</a:t>
+            </a:r>
+          </a:p>
+          <a:p>
+            <a:pPr lvl="1"/>
+            <a:r>
+              <a:rPr lang="ru-RU" dirty="0"/>
+              <a:t>Язык запросов </a:t>
+            </a:r>
+            <a:r>
+              <a:rPr lang="en-US" dirty="0"/>
+              <a:t>LINQ</a:t>
             </a:r>
             <a:endParaRPr lang="ru-RU" dirty="0"/>
           </a:p>
           <a:p>
-            <a:r>
-              <a:rPr lang="ru-RU" dirty="0"/>
-              <a:t>Предложения по темам лабораторных работ?</a:t>
-            </a:r>
+            <a:pPr lvl="1"/>
+            <a:r>
+              <a:rPr lang="ru-RU" dirty="0"/>
+              <a:t>Делегаты, события, лямбда выражения</a:t>
+            </a:r>
+          </a:p>
+          <a:p>
+            <a:pPr lvl="1"/>
+            <a:r>
+              <a:rPr lang="ru-RU" dirty="0"/>
+              <a:t>Обработка ошибок, исключения</a:t>
+            </a:r>
+          </a:p>
+          <a:p>
+            <a:pPr lvl="1"/>
+            <a:r>
+              <a:rPr lang="ru-RU" dirty="0"/>
+              <a:t>Хранение данных в </a:t>
+            </a:r>
+            <a:r>
+              <a:rPr lang="en-US" dirty="0"/>
+              <a:t>.NET, c</a:t>
+            </a:r>
+            <a:r>
+              <a:rPr lang="ru-RU" dirty="0"/>
+              <a:t>борка мусора</a:t>
+            </a:r>
+            <a:r>
+              <a:rPr lang="en-US" dirty="0"/>
+              <a:t>, </a:t>
+            </a:r>
+            <a:r>
+              <a:rPr lang="ru-RU" dirty="0" err="1"/>
+              <a:t>финализаторы</a:t>
+            </a:r>
+            <a:r>
+              <a:rPr lang="ru-RU" dirty="0"/>
+              <a:t>, </a:t>
+            </a:r>
+            <a:r>
+              <a:rPr lang="en-US" dirty="0" err="1"/>
+              <a:t>IDisposable</a:t>
+            </a:r>
+            <a:endParaRPr lang="en-US" dirty="0"/>
+          </a:p>
+          <a:p>
+            <a:pPr lvl="1"/>
+            <a:r>
+              <a:rPr lang="ru-RU" dirty="0"/>
+              <a:t>Регулярные выражения</a:t>
+            </a:r>
+          </a:p>
+        </p:txBody>
+      </p:sp>
+      <p:sp>
+        <p:nvSpPr>
+          <p:cNvPr id="4" name="Номер слайда 3"/>
+          <p:cNvSpPr>
+            <a:spLocks noGrp="1"/>
+          </p:cNvSpPr>
+          <p:nvPr>
+            <p:ph type="sldNum" sz="quarter" idx="12"/>
+          </p:nvPr>
+        </p:nvSpPr>
+        <p:spPr/>
+        <p:txBody>
+          <a:bodyPr/>
+          <a:lstStyle/>
+          <a:p>
+            <a:fld id="{194E9D9E-8475-4C3D-B07C-FDD1702DB06B}" type="slidenum">
+              <a:rPr lang="ru-RU" smtClean="0"/>
+              <a:pPr/>
+              <a:t>3</a:t>
+            </a:fld>
+            <a:endParaRPr lang="ru-RU"/>
           </a:p>
         </p:txBody>
       </p:sp>
@@ -5370,14 +6664,21 @@
             <p:ph type="title"/>
           </p:nvPr>
         </p:nvSpPr>
-        <p:spPr/>
-        <p:txBody>
-          <a:bodyPr/>
-          <a:lstStyle/>
-          <a:p>
-            <a:r>
-              <a:rPr lang="ru-RU" dirty="0"/>
-              <a:t>Рекомендуется ознакомиться</a:t>
+        <p:spPr>
+          <a:xfrm>
+            <a:off x="0" y="0"/>
+            <a:ext cx="9144000" cy="1143000"/>
+          </a:xfrm>
+        </p:spPr>
+        <p:txBody>
+          <a:bodyPr>
+            <a:normAutofit fontScale="90000"/>
+          </a:bodyPr>
+          <a:lstStyle/>
+          <a:p>
+            <a:r>
+              <a:rPr lang="ru-RU" dirty="0"/>
+              <a:t>Структура курса. Лабораторные работы</a:t>
             </a:r>
           </a:p>
         </p:txBody>
@@ -5392,87 +6693,35 @@
             <p:ph idx="1"/>
           </p:nvPr>
         </p:nvSpPr>
-        <p:spPr/>
-        <p:txBody>
-          <a:bodyPr/>
-          <a:lstStyle/>
-          <a:p>
-            <a:r>
-              <a:rPr lang="en-US" dirty="0"/>
-              <a:t>metanit.com/sharp/tutorial</a:t>
-            </a:r>
-            <a:endParaRPr lang="ru-RU" dirty="0"/>
-          </a:p>
-          <a:p>
-            <a:r>
-              <a:rPr lang="en-US" b="1" dirty="0" err="1"/>
-              <a:t>ulearn.me</a:t>
-            </a:r>
-            <a:endParaRPr lang="ru-RU" b="1" dirty="0"/>
-          </a:p>
-          <a:p>
-            <a:r>
-              <a:rPr lang="en-US" dirty="0"/>
-              <a:t>professorweb.ru</a:t>
-            </a:r>
-            <a:r>
-              <a:rPr lang="ru-RU" dirty="0"/>
-              <a:t>  </a:t>
-            </a:r>
-            <a:r>
-              <a:rPr lang="en-US" dirty="0"/>
-              <a:t>(</a:t>
-            </a:r>
-            <a:r>
-              <a:rPr lang="ru-RU" dirty="0"/>
-              <a:t>раздел </a:t>
-            </a:r>
-            <a:r>
-              <a:rPr lang="en-US" dirty="0"/>
-              <a:t>C# </a:t>
-            </a:r>
-            <a:r>
-              <a:rPr lang="ru-RU" dirty="0"/>
-              <a:t>и </a:t>
-            </a:r>
-            <a:r>
-              <a:rPr lang="en-US" dirty="0"/>
-              <a:t>.NET)</a:t>
-            </a:r>
-            <a:endParaRPr lang="ru-RU" dirty="0"/>
-          </a:p>
-          <a:p>
-            <a:r>
-              <a:rPr lang="en-US" dirty="0"/>
-              <a:t>CLR via C#. </a:t>
-            </a:r>
-            <a:r>
-              <a:rPr lang="ru-RU" dirty="0"/>
-              <a:t>Программирование на платформе </a:t>
-            </a:r>
-            <a:r>
-              <a:rPr lang="en-US" dirty="0" err="1"/>
-              <a:t>Microsot</a:t>
-            </a:r>
-            <a:r>
-              <a:rPr lang="en-US" dirty="0"/>
-              <a:t> .NET Framework 4.5 </a:t>
-            </a:r>
-            <a:r>
-              <a:rPr lang="ru-RU" dirty="0"/>
-              <a:t>на языке </a:t>
-            </a:r>
-            <a:r>
-              <a:rPr lang="en-US" dirty="0"/>
-              <a:t>C# / </a:t>
-            </a:r>
-            <a:r>
-              <a:rPr lang="ru-RU" dirty="0" err="1"/>
-              <a:t>Джеффри</a:t>
-            </a:r>
-            <a:r>
-              <a:rPr lang="ru-RU" dirty="0"/>
-              <a:t> Рихтер</a:t>
+        <p:spPr>
+          <a:xfrm>
+            <a:off x="179512" y="1123528"/>
+            <a:ext cx="8784976" cy="5257800"/>
+          </a:xfrm>
+        </p:spPr>
+        <p:txBody>
+          <a:bodyPr>
+            <a:normAutofit/>
+          </a:bodyPr>
+          <a:lstStyle/>
+          <a:p>
+            <a:pPr lvl="0"/>
+            <a:r>
+              <a:rPr lang="ru-RU" dirty="0"/>
+              <a:t>Каждая работа из 2-х частей – базовая + дополнительная</a:t>
+            </a:r>
+          </a:p>
+          <a:p>
+            <a:pPr lvl="0"/>
+            <a:r>
+              <a:rPr lang="ru-RU" dirty="0"/>
+              <a:t>Учитывается срок сдачи, следование стилю кода</a:t>
+            </a:r>
+          </a:p>
+          <a:p>
+            <a:r>
+              <a:rPr lang="ru-RU" dirty="0"/>
+              <a:t>Предложения по темам лабораторных работ?</a:t>
             </a:r>
           </a:p>
         </p:txBody>
@@ -5519,7 +6768,7 @@
           <a:p>
             <a:r>
               <a:rPr lang="ru-RU" dirty="0"/>
-              <a:t>Какой язык выбрать?</a:t>
+              <a:t>Рекомендуется ознакомиться</a:t>
             </a:r>
           </a:p>
         </p:txBody>
@@ -5534,72 +6783,75 @@
             <p:ph idx="1"/>
           </p:nvPr>
         </p:nvSpPr>
-        <p:spPr>
-          <a:xfrm>
-            <a:off x="323528" y="1600200"/>
-            <a:ext cx="8640960" cy="4525963"/>
-          </a:xfrm>
-        </p:spPr>
+        <p:spPr/>
         <p:txBody>
           <a:bodyPr/>
           <a:lstStyle/>
           <a:p>
             <a:r>
-              <a:rPr lang="ru-RU" i="1" dirty="0"/>
-              <a:t>Языки для системного программирования</a:t>
+              <a:rPr lang="en-US" dirty="0"/>
+              <a:t>metanit.com/sharp/tutorial</a:t>
             </a:r>
             <a:endParaRPr lang="ru-RU" dirty="0"/>
           </a:p>
           <a:p>
             <a:r>
-              <a:rPr lang="ru-RU" i="1" dirty="0"/>
-              <a:t>Прикладное программирование</a:t>
-            </a:r>
-            <a:endParaRPr lang="en-US" i="1" dirty="0"/>
-          </a:p>
-          <a:p>
-            <a:r>
-              <a:rPr lang="ru-RU" i="1" dirty="0"/>
-              <a:t>Мобильные приложения</a:t>
-            </a:r>
-          </a:p>
-          <a:p>
-            <a:r>
-              <a:rPr lang="ru-RU" i="1" dirty="0" err="1"/>
-              <a:t>Скриптовые</a:t>
-            </a:r>
-            <a:r>
-              <a:rPr lang="ru-RU" i="1" dirty="0"/>
-              <a:t> языки</a:t>
+              <a:rPr lang="en-US" b="1" dirty="0"/>
+              <a:t>ulearn.me</a:t>
+            </a:r>
+            <a:endParaRPr lang="ru-RU" b="1" dirty="0"/>
+          </a:p>
+          <a:p>
+            <a:r>
+              <a:rPr lang="ru-RU" dirty="0"/>
+              <a:t>Васильев А.Н. Программирование на </a:t>
+            </a:r>
+            <a:r>
+              <a:rPr lang="en-US" dirty="0"/>
+              <a:t>C# </a:t>
+            </a:r>
+            <a:r>
+              <a:rPr lang="ru-RU" dirty="0"/>
+              <a:t>для начинающих. Основные сведения</a:t>
+            </a:r>
+          </a:p>
+          <a:p>
+            <a:r>
+              <a:rPr lang="en-US" dirty="0"/>
+              <a:t>professorweb.ru</a:t>
+            </a:r>
+            <a:r>
+              <a:rPr lang="ru-RU" dirty="0"/>
+              <a:t>  </a:t>
+            </a:r>
+            <a:r>
+              <a:rPr lang="en-US" dirty="0"/>
+              <a:t>(</a:t>
+            </a:r>
+            <a:r>
+              <a:rPr lang="ru-RU" dirty="0"/>
+              <a:t>раздел </a:t>
+            </a:r>
+            <a:r>
+              <a:rPr lang="en-US" dirty="0"/>
+              <a:t>C# </a:t>
+            </a:r>
+            <a:r>
+              <a:rPr lang="ru-RU" dirty="0"/>
+              <a:t>и </a:t>
+            </a:r>
+            <a:r>
+              <a:rPr lang="en-US" dirty="0"/>
+              <a:t>.NET)</a:t>
             </a:r>
             <a:endParaRPr lang="ru-RU" dirty="0"/>
           </a:p>
           <a:p>
+            <a:r>
+              <a:rPr lang="en-US" dirty="0"/>
+              <a:t>https://www.codewars.com/dashboard</a:t>
+            </a:r>
             <a:endParaRPr lang="ru-RU" dirty="0"/>
-          </a:p>
-        </p:txBody>
-      </p:sp>
-      <p:sp>
-        <p:nvSpPr>
-          <p:cNvPr id="4" name="Номер слайда 3"/>
-          <p:cNvSpPr>
-            <a:spLocks noGrp="1"/>
-          </p:cNvSpPr>
-          <p:nvPr>
-            <p:ph type="sldNum" sz="quarter" idx="12"/>
-          </p:nvPr>
-        </p:nvSpPr>
-        <p:spPr/>
-        <p:txBody>
-          <a:bodyPr/>
-          <a:lstStyle/>
-          <a:p>
-            <a:fld id="{194E9D9E-8475-4C3D-B07C-FDD1702DB06B}" type="slidenum">
-              <a:rPr lang="ru-RU" smtClean="0"/>
-              <a:pPr/>
-              <a:t>5</a:t>
-            </a:fld>
-            <a:endParaRPr lang="ru-RU"/>
           </a:p>
         </p:txBody>
       </p:sp>
@@ -5837,35 +7089,15 @@
             </a:r>
             <a:r>
               <a:rPr lang="ru-RU" dirty="0"/>
-              <a:t>.NET является переносимой платформой (с некоторыми ограничениями). Изначально платформа разрабатывалась под ОС </a:t>
-            </a:r>
-            <a:r>
-              <a:rPr lang="ru-RU" dirty="0" err="1"/>
-              <a:t>Windows</a:t>
-            </a:r>
-            <a:r>
-              <a:rPr lang="ru-RU" dirty="0"/>
-              <a:t>. Однако, благодаря проекту </a:t>
-            </a:r>
-            <a:r>
-              <a:rPr lang="ru-RU" dirty="0" err="1"/>
-              <a:t>Mono</a:t>
-            </a:r>
-            <a:r>
-              <a:rPr lang="ru-RU" dirty="0"/>
-              <a:t> (</a:t>
-            </a:r>
-            <a:r>
-              <a:rPr lang="en-US" dirty="0" err="1"/>
-              <a:t>Xamarin</a:t>
-            </a:r>
-            <a:r>
-              <a:rPr lang="en-US" dirty="0"/>
-              <a:t>)</a:t>
-            </a:r>
-            <a:r>
-              <a:rPr lang="ru-RU" dirty="0"/>
-              <a:t>, а также раскрытию исходных кодов, можно создавать приложения, которые будут работать и на других ОС</a:t>
+              <a:t>.NET является переносимой платформой (с некоторыми ограничениями). Изначально платформа разрабатывалась под ОС Windows. Однако</a:t>
+            </a:r>
+            <a:r>
+              <a:rPr lang="en-US" dirty="0"/>
+              <a:t> </a:t>
+            </a:r>
+            <a:r>
+              <a:rPr lang="ru-RU" dirty="0"/>
+              <a:t>позже появилась возможность разрабатывать для других ОС</a:t>
             </a:r>
             <a:r>
               <a:rPr lang="en-US" dirty="0"/>
@@ -6081,6 +7313,30 @@
       </p:grpSpPr>
       <p:sp>
         <p:nvSpPr>
+          <p:cNvPr id="2" name="Заголовок 1"/>
+          <p:cNvSpPr>
+            <a:spLocks noGrp="1"/>
+          </p:cNvSpPr>
+          <p:nvPr>
+            <p:ph type="title"/>
+          </p:nvPr>
+        </p:nvSpPr>
+        <p:spPr/>
+        <p:txBody>
+          <a:bodyPr>
+            <a:normAutofit fontScale="90000"/>
+          </a:bodyPr>
+          <a:lstStyle/>
+          <a:p>
+            <a:r>
+              <a:rPr lang="ru-RU" dirty="0"/>
+              <a:t>Управляемый и неуправляемый код</a:t>
+            </a:r>
+          </a:p>
+        </p:txBody>
+      </p:sp>
+      <p:sp>
+        <p:nvSpPr>
           <p:cNvPr id="3" name="Содержимое 2"/>
           <p:cNvSpPr>
             <a:spLocks noGrp="1"/>
@@ -6089,83 +7345,53 @@
             <p:ph idx="1"/>
           </p:nvPr>
         </p:nvSpPr>
-        <p:spPr>
-          <a:xfrm>
-            <a:off x="0" y="0"/>
-            <a:ext cx="9144000" cy="6858000"/>
-          </a:xfrm>
-        </p:spPr>
+        <p:spPr/>
         <p:txBody>
           <a:bodyPr>
-            <a:normAutofit fontScale="70000" lnSpcReduction="20000"/>
+            <a:normAutofit fontScale="77500" lnSpcReduction="20000"/>
           </a:bodyPr>
           <a:lstStyle/>
           <a:p>
-            <a:endParaRPr lang="en-US" sz="3400" dirty="0"/>
-          </a:p>
-          <a:p>
-            <a:r>
-              <a:rPr lang="ru-RU" sz="3400" dirty="0"/>
-              <a:t>Платформа .NET </a:t>
-            </a:r>
-            <a:r>
-              <a:rPr lang="ru-RU" sz="3400" dirty="0" err="1"/>
-              <a:t>Framework</a:t>
-            </a:r>
-            <a:r>
-              <a:rPr lang="ru-RU" sz="3400" dirty="0"/>
-              <a:t> состоит из общеязыковой среды выполнения (среды CLR) и библиотеки классов .NET </a:t>
-            </a:r>
-            <a:r>
-              <a:rPr lang="ru-RU" sz="3400" dirty="0" err="1"/>
-              <a:t>Framework</a:t>
-            </a:r>
-            <a:r>
-              <a:rPr lang="ru-RU" sz="3400" dirty="0"/>
-              <a:t>. Основой платформы .NET </a:t>
-            </a:r>
-            <a:r>
-              <a:rPr lang="ru-RU" sz="3400" dirty="0" err="1"/>
-              <a:t>Framework</a:t>
-            </a:r>
-            <a:r>
-              <a:rPr lang="ru-RU" sz="3400" dirty="0"/>
-              <a:t> является среда CLR. Среду выполнения можно считать агентом, который управляет кодом во время выполнения и предоставляет основные службы, такие как управление памятью, управление потоками и удаленное взаимодействие. При этом накладываются условия строгой типизации и другие виды проверки точности кода, обеспечивающие безопасность и надежность. </a:t>
-            </a:r>
-            <a:endParaRPr lang="en-US" sz="3400" dirty="0"/>
-          </a:p>
-          <a:p>
-            <a:r>
-              <a:rPr lang="ru-RU" sz="3400" dirty="0"/>
-              <a:t>Фактически основной задачей среды выполнения является управление кодом. Код, который обращается к среде выполнения, называют управляемым кодом, а код, который не обращается к среде выполнения, называют неуправляемым кодом. Библиотека классов является комплексной объектно-ориентированной коллекцией допускающих повторное использование типов, которые применяются для разработки приложений — начиная с обычных приложений, запускаемых из командной строки, и приложений с графическим интерфейсом пользователя (GUI), и заканчивая приложениями, использующими последние технологические возможности ASP.NET, такие как </a:t>
-            </a:r>
-            <a:r>
-              <a:rPr lang="ru-RU" sz="3400" dirty="0" err="1"/>
-              <a:t>Web</a:t>
-            </a:r>
-            <a:r>
-              <a:rPr lang="ru-RU" sz="3400" dirty="0"/>
-              <a:t> </a:t>
-            </a:r>
-            <a:r>
-              <a:rPr lang="ru-RU" sz="3400" dirty="0" err="1"/>
-              <a:t>Forms</a:t>
-            </a:r>
-            <a:r>
-              <a:rPr lang="ru-RU" sz="3400" dirty="0"/>
-              <a:t> и </a:t>
-            </a:r>
-            <a:r>
-              <a:rPr lang="ru-RU" sz="3400" dirty="0" err="1"/>
-              <a:t>веб-службы</a:t>
-            </a:r>
-            <a:r>
-              <a:rPr lang="ru-RU" sz="3400" dirty="0"/>
-              <a:t> XML. </a:t>
-            </a:r>
-          </a:p>
-          <a:p>
-            <a:endParaRPr lang="ru-RU" dirty="0"/>
+            <a:r>
+              <a:rPr lang="ru-RU" dirty="0"/>
+              <a:t>код на C# компилируется в приложения или сборки с расширениями </a:t>
+            </a:r>
+            <a:r>
+              <a:rPr lang="ru-RU" dirty="0" err="1"/>
+              <a:t>exe</a:t>
+            </a:r>
+            <a:r>
+              <a:rPr lang="ru-RU" dirty="0"/>
+              <a:t> или </a:t>
+            </a:r>
+            <a:r>
+              <a:rPr lang="ru-RU" dirty="0" err="1"/>
+              <a:t>dll</a:t>
+            </a:r>
+            <a:r>
+              <a:rPr lang="ru-RU" dirty="0"/>
+              <a:t> на языке CIL. Далее при запуске на выполнение подобного приложения происходит JIT-компиляция (</a:t>
+            </a:r>
+            <a:r>
+              <a:rPr lang="ru-RU" dirty="0" err="1"/>
+              <a:t>Just-In-Time</a:t>
+            </a:r>
+            <a:r>
+              <a:rPr lang="ru-RU" dirty="0"/>
+              <a:t>) в машинный код, который затем выполняется. </a:t>
+            </a:r>
+          </a:p>
+          <a:p>
+            <a:r>
+              <a:rPr lang="ru-RU" dirty="0"/>
+              <a:t>При этом, поскольку наше приложение может быть большим, в текущий момент времени будет компилироваться лишь та часть приложения, к которой непосредственно идет обращение. Если мы обратимся к другой части кода, то она будет скомпилирована из CIL в машинный код. </a:t>
+            </a:r>
+          </a:p>
+          <a:p>
+            <a:r>
+              <a:rPr lang="ru-RU" dirty="0"/>
+              <a:t>Уже скомпилированная часть приложения сохраняется до завершения работы программы. </a:t>
+            </a:r>
           </a:p>
         </p:txBody>
       </p:sp>
